--- a/presentation/Презентация.pptx
+++ b/presentation/Презентация.pptx
@@ -7,15 +7,28 @@
   <p:sldIdLst>
     <p:sldId id="256" r:id="rId2"/>
     <p:sldId id="262" r:id="rId3"/>
-    <p:sldId id="260" r:id="rId4"/>
-    <p:sldId id="258" r:id="rId5"/>
-    <p:sldId id="261" r:id="rId6"/>
-    <p:sldId id="264" r:id="rId7"/>
-    <p:sldId id="263" r:id="rId8"/>
-    <p:sldId id="265" r:id="rId9"/>
-    <p:sldId id="267" r:id="rId10"/>
-    <p:sldId id="268" r:id="rId11"/>
-    <p:sldId id="269" r:id="rId12"/>
+    <p:sldId id="272" r:id="rId4"/>
+    <p:sldId id="271" r:id="rId5"/>
+    <p:sldId id="276" r:id="rId6"/>
+    <p:sldId id="273" r:id="rId7"/>
+    <p:sldId id="274" r:id="rId8"/>
+    <p:sldId id="277" r:id="rId9"/>
+    <p:sldId id="278" r:id="rId10"/>
+    <p:sldId id="279" r:id="rId11"/>
+    <p:sldId id="280" r:id="rId12"/>
+    <p:sldId id="260" r:id="rId13"/>
+    <p:sldId id="281" r:id="rId14"/>
+    <p:sldId id="258" r:id="rId15"/>
+    <p:sldId id="282" r:id="rId16"/>
+    <p:sldId id="283" r:id="rId17"/>
+    <p:sldId id="264" r:id="rId18"/>
+    <p:sldId id="263" r:id="rId19"/>
+    <p:sldId id="265" r:id="rId20"/>
+    <p:sldId id="267" r:id="rId21"/>
+    <p:sldId id="268" r:id="rId22"/>
+    <p:sldId id="269" r:id="rId23"/>
+    <p:sldId id="284" r:id="rId24"/>
+    <p:sldId id="285" r:id="rId25"/>
   </p:sldIdLst>
   <p:sldSz cx="12192000" cy="6858000"/>
   <p:notesSz cx="6858000" cy="9144000"/>
@@ -114,6 +127,22 @@
       </a:defRPr>
     </a:lvl9pPr>
   </p:defaultTextStyle>
+  <p:extLst>
+    <p:ext uri="{EFAFB233-063F-42B5-8137-9DF3F51BA10A}">
+      <p15:sldGuideLst xmlns:p15="http://schemas.microsoft.com/office/powerpoint/2012/main">
+        <p15:guide id="1" orient="horz" pos="2160">
+          <p15:clr>
+            <a:srgbClr val="A4A3A4"/>
+          </p15:clr>
+        </p15:guide>
+        <p15:guide id="2" pos="3840">
+          <p15:clr>
+            <a:srgbClr val="A4A3A4"/>
+          </p15:clr>
+        </p15:guide>
+      </p15:sldGuideLst>
+    </p:ext>
+  </p:extLst>
 </p:presentation>
 </file>
 
@@ -155,6 +184,11 @@
           <a:lstStyle>
             <a:lvl1pPr algn="ctr">
               <a:defRPr sz="6000">
+                <a:solidFill>
+                  <a:schemeClr val="accent5">
+                    <a:lumMod val="75000"/>
+                  </a:schemeClr>
+                </a:solidFill>
                 <a:latin typeface="Comic Sans MS" panose="030F0702030302020204" pitchFamily="66" charset="0"/>
               </a:defRPr>
             </a:lvl1pPr>
@@ -190,6 +224,11 @@
             <a:lvl1pPr marL="0" indent="0" algn="ctr">
               <a:buNone/>
               <a:defRPr sz="2400">
+                <a:solidFill>
+                  <a:schemeClr val="accent5">
+                    <a:lumMod val="75000"/>
+                  </a:schemeClr>
+                </a:solidFill>
                 <a:latin typeface="Comic Sans MS" panose="030F0702030302020204" pitchFamily="66" charset="0"/>
               </a:defRPr>
             </a:lvl1pPr>
@@ -252,7 +291,7 @@
           <a:p>
             <a:fld id="{D66F0133-620D-4E96-ADE4-7D4B053701B8}" type="datetimeFigureOut">
               <a:rPr lang="ru-RU" smtClean="0"/>
-              <a:t>16.05.2025</a:t>
+              <a:t>17.05.2025</a:t>
             </a:fld>
             <a:endParaRPr lang="ru-RU"/>
           </a:p>
@@ -310,6 +349,13 @@
   <p:clrMapOvr>
     <a:masterClrMapping/>
   </p:clrMapOvr>
+  <p:timing>
+    <p:tnLst>
+      <p:par>
+        <p:cTn id="1" dur="indefinite" restart="never" nodeType="tmRoot"/>
+      </p:par>
+    </p:tnLst>
+  </p:timing>
 </p:sldLayout>
 </file>
 
@@ -422,7 +468,7 @@
           <a:p>
             <a:fld id="{D66F0133-620D-4E96-ADE4-7D4B053701B8}" type="datetimeFigureOut">
               <a:rPr lang="ru-RU" smtClean="0"/>
-              <a:t>16.05.2025</a:t>
+              <a:t>17.05.2025</a:t>
             </a:fld>
             <a:endParaRPr lang="ru-RU"/>
           </a:p>
@@ -602,7 +648,7 @@
           <a:p>
             <a:fld id="{D66F0133-620D-4E96-ADE4-7D4B053701B8}" type="datetimeFigureOut">
               <a:rPr lang="ru-RU" smtClean="0"/>
-              <a:t>16.05.2025</a:t>
+              <a:t>17.05.2025</a:t>
             </a:fld>
             <a:endParaRPr lang="ru-RU"/>
           </a:p>
@@ -690,12 +736,22 @@
             <p:ph type="title"/>
           </p:nvPr>
         </p:nvSpPr>
-        <p:spPr/>
+        <p:spPr>
+          <a:xfrm>
+            <a:off x="838200" y="259247"/>
+            <a:ext cx="10515600" cy="1325563"/>
+          </a:xfrm>
+        </p:spPr>
         <p:txBody>
           <a:bodyPr/>
           <a:lstStyle>
             <a:lvl1pPr>
               <a:defRPr>
+                <a:solidFill>
+                  <a:schemeClr val="accent5">
+                    <a:lumMod val="75000"/>
+                  </a:schemeClr>
+                </a:solidFill>
                 <a:latin typeface="Comic Sans MS" panose="030F0702030302020204" pitchFamily="66" charset="0"/>
               </a:defRPr>
             </a:lvl1pPr>
@@ -703,7 +759,11 @@
           <a:p>
             <a:r>
               <a:rPr lang="ru-RU" dirty="0" smtClean="0"/>
-              <a:t>Образец заголовка</a:t>
+              <a:t>Образец </a:t>
+            </a:r>
+            <a:r>
+              <a:rPr lang="ru-RU" dirty="0" smtClean="0"/>
+              <a:t>заголовка</a:t>
             </a:r>
             <a:endParaRPr lang="ru-RU" dirty="0"/>
           </a:p>
@@ -719,37 +779,67 @@
             <p:ph idx="1"/>
           </p:nvPr>
         </p:nvSpPr>
-        <p:spPr/>
+        <p:spPr>
+          <a:xfrm>
+            <a:off x="838200" y="1719747"/>
+            <a:ext cx="10515600" cy="4351338"/>
+          </a:xfrm>
+        </p:spPr>
         <p:txBody>
           <a:bodyPr/>
           <a:lstStyle>
             <a:lvl1pPr marL="0" indent="0">
               <a:buNone/>
               <a:defRPr>
+                <a:solidFill>
+                  <a:schemeClr val="accent5">
+                    <a:lumMod val="75000"/>
+                  </a:schemeClr>
+                </a:solidFill>
                 <a:latin typeface="Comic Sans MS" panose="030F0702030302020204" pitchFamily="66" charset="0"/>
               </a:defRPr>
             </a:lvl1pPr>
             <a:lvl2pPr marL="457200" indent="0">
               <a:buNone/>
               <a:defRPr>
+                <a:solidFill>
+                  <a:schemeClr val="accent5">
+                    <a:lumMod val="75000"/>
+                  </a:schemeClr>
+                </a:solidFill>
                 <a:latin typeface="Comic Sans MS" panose="030F0702030302020204" pitchFamily="66" charset="0"/>
               </a:defRPr>
             </a:lvl2pPr>
             <a:lvl3pPr marL="914400" indent="0">
               <a:buNone/>
               <a:defRPr>
+                <a:solidFill>
+                  <a:schemeClr val="accent5">
+                    <a:lumMod val="75000"/>
+                  </a:schemeClr>
+                </a:solidFill>
                 <a:latin typeface="Comic Sans MS" panose="030F0702030302020204" pitchFamily="66" charset="0"/>
               </a:defRPr>
             </a:lvl3pPr>
             <a:lvl4pPr marL="1371600" indent="0">
               <a:buNone/>
               <a:defRPr>
+                <a:solidFill>
+                  <a:schemeClr val="accent5">
+                    <a:lumMod val="75000"/>
+                  </a:schemeClr>
+                </a:solidFill>
                 <a:latin typeface="Comic Sans MS" panose="030F0702030302020204" pitchFamily="66" charset="0"/>
               </a:defRPr>
             </a:lvl4pPr>
             <a:lvl5pPr marL="1828800" indent="0">
               <a:buNone/>
               <a:defRPr>
+                <a:solidFill>
+                  <a:schemeClr val="accent5">
+                    <a:lumMod val="75000"/>
+                  </a:schemeClr>
+                </a:solidFill>
                 <a:latin typeface="Comic Sans MS" panose="030F0702030302020204" pitchFamily="66" charset="0"/>
               </a:defRPr>
             </a:lvl5pPr>
@@ -809,7 +899,7 @@
           <a:p>
             <a:fld id="{D66F0133-620D-4E96-ADE4-7D4B053701B8}" type="datetimeFigureOut">
               <a:rPr lang="ru-RU" smtClean="0"/>
-              <a:t>16.05.2025</a:t>
+              <a:t>17.05.2025</a:t>
             </a:fld>
             <a:endParaRPr lang="ru-RU"/>
           </a:p>
@@ -867,6 +957,13 @@
   <p:clrMapOvr>
     <a:masterClrMapping/>
   </p:clrMapOvr>
+  <p:timing>
+    <p:tnLst>
+      <p:par>
+        <p:cTn id="1" dur="indefinite" restart="never" nodeType="tmRoot"/>
+      </p:par>
+    </p:tnLst>
+  </p:timing>
 </p:sldLayout>
 </file>
 
@@ -1055,7 +1152,7 @@
           <a:p>
             <a:fld id="{D66F0133-620D-4E96-ADE4-7D4B053701B8}" type="datetimeFigureOut">
               <a:rPr lang="ru-RU" smtClean="0"/>
-              <a:t>16.05.2025</a:t>
+              <a:t>17.05.2025</a:t>
             </a:fld>
             <a:endParaRPr lang="ru-RU"/>
           </a:p>
@@ -1287,7 +1384,7 @@
           <a:p>
             <a:fld id="{D66F0133-620D-4E96-ADE4-7D4B053701B8}" type="datetimeFigureOut">
               <a:rPr lang="ru-RU" smtClean="0"/>
-              <a:t>16.05.2025</a:t>
+              <a:t>17.05.2025</a:t>
             </a:fld>
             <a:endParaRPr lang="ru-RU"/>
           </a:p>
@@ -1654,7 +1751,7 @@
           <a:p>
             <a:fld id="{D66F0133-620D-4E96-ADE4-7D4B053701B8}" type="datetimeFigureOut">
               <a:rPr lang="ru-RU" smtClean="0"/>
-              <a:t>16.05.2025</a:t>
+              <a:t>17.05.2025</a:t>
             </a:fld>
             <a:endParaRPr lang="ru-RU"/>
           </a:p>
@@ -1772,7 +1869,7 @@
           <a:p>
             <a:fld id="{D66F0133-620D-4E96-ADE4-7D4B053701B8}" type="datetimeFigureOut">
               <a:rPr lang="ru-RU" smtClean="0"/>
-              <a:t>16.05.2025</a:t>
+              <a:t>17.05.2025</a:t>
             </a:fld>
             <a:endParaRPr lang="ru-RU"/>
           </a:p>
@@ -1867,7 +1964,7 @@
           <a:p>
             <a:fld id="{D66F0133-620D-4E96-ADE4-7D4B053701B8}" type="datetimeFigureOut">
               <a:rPr lang="ru-RU" smtClean="0"/>
-              <a:t>16.05.2025</a:t>
+              <a:t>17.05.2025</a:t>
             </a:fld>
             <a:endParaRPr lang="ru-RU"/>
           </a:p>
@@ -2144,7 +2241,7 @@
           <a:p>
             <a:fld id="{D66F0133-620D-4E96-ADE4-7D4B053701B8}" type="datetimeFigureOut">
               <a:rPr lang="ru-RU" smtClean="0"/>
-              <a:t>16.05.2025</a:t>
+              <a:t>17.05.2025</a:t>
             </a:fld>
             <a:endParaRPr lang="ru-RU"/>
           </a:p>
@@ -2397,7 +2494,7 @@
           <a:p>
             <a:fld id="{D66F0133-620D-4E96-ADE4-7D4B053701B8}" type="datetimeFigureOut">
               <a:rPr lang="ru-RU" smtClean="0"/>
-              <a:t>16.05.2025</a:t>
+              <a:t>17.05.2025</a:t>
             </a:fld>
             <a:endParaRPr lang="ru-RU"/>
           </a:p>
@@ -2610,7 +2707,7 @@
           <a:p>
             <a:fld id="{D66F0133-620D-4E96-ADE4-7D4B053701B8}" type="datetimeFigureOut">
               <a:rPr lang="ru-RU" smtClean="0"/>
-              <a:t>16.05.2025</a:t>
+              <a:t>17.05.2025</a:t>
             </a:fld>
             <a:endParaRPr lang="ru-RU"/>
           </a:p>
@@ -2715,6 +2812,13 @@
     <p:sldLayoutId id="2147483658" r:id="rId10"/>
     <p:sldLayoutId id="2147483659" r:id="rId11"/>
   </p:sldLayoutIdLst>
+  <p:timing>
+    <p:tnLst>
+      <p:par>
+        <p:cTn id="1" dur="indefinite" restart="never" nodeType="tmRoot"/>
+      </p:par>
+    </p:tnLst>
+  </p:timing>
   <p:txStyles>
     <p:titleStyle>
       <a:lvl1pPr algn="l" defTabSz="914400" rtl="0" eaLnBrk="1" latinLnBrk="0" hangingPunct="1">
@@ -3025,19 +3129,158 @@
             <p:ph type="ctrTitle"/>
           </p:nvPr>
         </p:nvSpPr>
-        <p:spPr/>
-        <p:txBody>
-          <a:bodyPr/>
-          <a:lstStyle/>
-          <a:p>
+        <p:spPr>
+          <a:xfrm>
+            <a:off x="1524000" y="1122362"/>
+            <a:ext cx="9144000" cy="4123405"/>
+          </a:xfrm>
+        </p:spPr>
+        <p:txBody>
+          <a:bodyPr anchor="ctr">
+            <a:normAutofit/>
+          </a:bodyPr>
+          <a:lstStyle/>
+          <a:p>
+            <a:pPr>
+              <a:spcBef>
+                <a:spcPts val="1800"/>
+              </a:spcBef>
+              <a:spcAft>
+                <a:spcPts val="1200"/>
+              </a:spcAft>
+            </a:pPr>
             <a:r>
               <a:rPr lang="ru-RU" dirty="0" smtClean="0"/>
-              <a:t>Школьный дневник</a:t>
-            </a:r>
-            <a:endParaRPr lang="ru-RU" dirty="0"/>
-          </a:p>
-        </p:txBody>
-      </p:sp>
+              <a:t>Электронный школьный дневник</a:t>
+            </a:r>
+            <a:br>
+              <a:rPr lang="ru-RU" dirty="0" smtClean="0"/>
+            </a:br>
+            <a:r>
+              <a:rPr lang="ru-RU" dirty="0" smtClean="0"/>
+              <a:t/>
+            </a:r>
+            <a:br>
+              <a:rPr lang="ru-RU" dirty="0" smtClean="0"/>
+            </a:br>
+            <a:r>
+              <a:rPr lang="en-US" sz="7200" b="1" dirty="0"/>
+              <a:t>"EdSpace"</a:t>
+            </a:r>
+            <a:endParaRPr lang="ru-RU" sz="7200" b="1" dirty="0"/>
+          </a:p>
+        </p:txBody>
+      </p:sp>
+      <p:pic>
+        <p:nvPicPr>
+          <p:cNvPr id="3" name="Рисунок 2"/>
+          <p:cNvPicPr>
+            <a:picLocks noChangeAspect="1"/>
+          </p:cNvPicPr>
+          <p:nvPr/>
+        </p:nvPicPr>
+        <p:blipFill>
+          <a:blip r:embed="rId2" cstate="print">
+            <a:duotone>
+              <a:schemeClr val="accent5">
+                <a:shade val="45000"/>
+                <a:satMod val="135000"/>
+              </a:schemeClr>
+              <a:prstClr val="white"/>
+            </a:duotone>
+            <a:extLst>
+              <a:ext uri="{28A0092B-C50C-407E-A947-70E740481C1C}">
+                <a14:useLocalDpi xmlns:a14="http://schemas.microsoft.com/office/drawing/2010/main" val="0"/>
+              </a:ext>
+            </a:extLst>
+          </a:blip>
+          <a:stretch>
+            <a:fillRect/>
+          </a:stretch>
+        </p:blipFill>
+        <p:spPr>
+          <a:xfrm>
+            <a:off x="10429702" y="5245767"/>
+            <a:ext cx="1762298" cy="1612233"/>
+          </a:xfrm>
+          <a:prstGeom prst="rect">
+            <a:avLst/>
+          </a:prstGeom>
+        </p:spPr>
+      </p:pic>
+      <p:pic>
+        <p:nvPicPr>
+          <p:cNvPr id="4" name="Рисунок 3"/>
+          <p:cNvPicPr>
+            <a:picLocks noChangeAspect="1"/>
+          </p:cNvPicPr>
+          <p:nvPr/>
+        </p:nvPicPr>
+        <p:blipFill rotWithShape="1">
+          <a:blip r:embed="rId3" cstate="print">
+            <a:duotone>
+              <a:schemeClr val="accent5">
+                <a:shade val="45000"/>
+                <a:satMod val="135000"/>
+              </a:schemeClr>
+              <a:prstClr val="white"/>
+            </a:duotone>
+            <a:extLst>
+              <a:ext uri="{28A0092B-C50C-407E-A947-70E740481C1C}">
+                <a14:useLocalDpi xmlns:a14="http://schemas.microsoft.com/office/drawing/2010/main" val="0"/>
+              </a:ext>
+            </a:extLst>
+          </a:blip>
+          <a:srcRect l="4062" t="12779" r="54167" b="11852"/>
+          <a:stretch/>
+        </p:blipFill>
+        <p:spPr>
+          <a:xfrm>
+            <a:off x="161636" y="128072"/>
+            <a:ext cx="1959264" cy="1988579"/>
+          </a:xfrm>
+          <a:prstGeom prst="rect">
+            <a:avLst/>
+          </a:prstGeom>
+        </p:spPr>
+      </p:pic>
+      <p:pic>
+        <p:nvPicPr>
+          <p:cNvPr id="5" name="Рисунок 4"/>
+          <p:cNvPicPr>
+            <a:picLocks noChangeAspect="1"/>
+          </p:cNvPicPr>
+          <p:nvPr/>
+        </p:nvPicPr>
+        <p:blipFill>
+          <a:blip r:embed="rId4" cstate="print">
+            <a:duotone>
+              <a:schemeClr val="accent5">
+                <a:shade val="45000"/>
+                <a:satMod val="135000"/>
+              </a:schemeClr>
+              <a:prstClr val="white"/>
+            </a:duotone>
+            <a:extLst>
+              <a:ext uri="{28A0092B-C50C-407E-A947-70E740481C1C}">
+                <a14:useLocalDpi xmlns:a14="http://schemas.microsoft.com/office/drawing/2010/main" val="0"/>
+              </a:ext>
+            </a:extLst>
+          </a:blip>
+          <a:stretch>
+            <a:fillRect/>
+          </a:stretch>
+        </p:blipFill>
+        <p:spPr>
+          <a:xfrm>
+            <a:off x="5124116" y="5041233"/>
+            <a:ext cx="1664367" cy="1664367"/>
+          </a:xfrm>
+          <a:prstGeom prst="rect">
+            <a:avLst/>
+          </a:prstGeom>
+        </p:spPr>
+      </p:pic>
     </p:spTree>
     <p:extLst>
       <p:ext uri="{BB962C8B-B14F-4D97-AF65-F5344CB8AC3E}">
@@ -3077,6 +3320,282 @@
       </p:grpSpPr>
       <p:sp>
         <p:nvSpPr>
+          <p:cNvPr id="3" name="Объект 2"/>
+          <p:cNvSpPr>
+            <a:spLocks noGrp="1"/>
+          </p:cNvSpPr>
+          <p:nvPr>
+            <p:ph idx="1"/>
+          </p:nvPr>
+        </p:nvSpPr>
+        <p:spPr>
+          <a:xfrm>
+            <a:off x="2374900" y="1658843"/>
+            <a:ext cx="9436100" cy="3601553"/>
+          </a:xfrm>
+        </p:spPr>
+        <p:txBody>
+          <a:bodyPr>
+            <a:noAutofit/>
+          </a:bodyPr>
+          <a:lstStyle/>
+          <a:p>
+            <a:r>
+              <a:rPr lang="ru-RU" sz="3600" b="1" dirty="0" smtClean="0"/>
+              <a:t>6</a:t>
+            </a:r>
+            <a:r>
+              <a:rPr lang="ru-RU" sz="3600" b="1" dirty="0"/>
+              <a:t>. Потенциал для модульного тестирования</a:t>
+            </a:r>
+          </a:p>
+          <a:p>
+            <a:pPr marL="1079500" indent="-546100">
+              <a:buFont typeface="Arial" panose="020B0604020202020204" pitchFamily="34" charset="0"/>
+              <a:buChar char="•"/>
+            </a:pPr>
+            <a:r>
+              <a:rPr lang="ru-RU" sz="3600" dirty="0"/>
+              <a:t>Архитектура позволяет легко писать </a:t>
+            </a:r>
+            <a:r>
+              <a:rPr lang="ru-RU" sz="3600" dirty="0" err="1"/>
+              <a:t>unit</a:t>
+            </a:r>
+            <a:r>
+              <a:rPr lang="ru-RU" sz="3600" dirty="0"/>
+              <a:t>- и </a:t>
+            </a:r>
+            <a:r>
+              <a:rPr lang="ru-RU" sz="3600" dirty="0" err="1"/>
+              <a:t>integration</a:t>
+            </a:r>
+            <a:r>
+              <a:rPr lang="ru-RU" sz="3600" dirty="0"/>
+              <a:t>-тесты.</a:t>
+            </a:r>
+          </a:p>
+          <a:p>
+            <a:pPr marL="1079500" indent="-546100">
+              <a:buFont typeface="Arial" panose="020B0604020202020204" pitchFamily="34" charset="0"/>
+              <a:buChar char="•"/>
+            </a:pPr>
+            <a:r>
+              <a:rPr lang="ru-RU" sz="3600" dirty="0"/>
+              <a:t>Разделение бизнес-логики и роутеров упрощает изолированное тестирование.</a:t>
+            </a:r>
+          </a:p>
+        </p:txBody>
+      </p:sp>
+      <p:pic>
+        <p:nvPicPr>
+          <p:cNvPr id="4" name="Рисунок 3"/>
+          <p:cNvPicPr>
+            <a:picLocks noChangeAspect="1"/>
+          </p:cNvPicPr>
+          <p:nvPr/>
+        </p:nvPicPr>
+        <p:blipFill>
+          <a:blip r:embed="rId2" cstate="print">
+            <a:duotone>
+              <a:schemeClr val="accent5">
+                <a:shade val="45000"/>
+                <a:satMod val="135000"/>
+              </a:schemeClr>
+              <a:prstClr val="white"/>
+            </a:duotone>
+            <a:extLst>
+              <a:ext uri="{28A0092B-C50C-407E-A947-70E740481C1C}">
+                <a14:useLocalDpi xmlns:a14="http://schemas.microsoft.com/office/drawing/2010/main" val="0"/>
+              </a:ext>
+            </a:extLst>
+          </a:blip>
+          <a:stretch>
+            <a:fillRect/>
+          </a:stretch>
+        </p:blipFill>
+        <p:spPr>
+          <a:xfrm rot="2272080" flipH="1">
+            <a:off x="386907" y="2835616"/>
+            <a:ext cx="1654405" cy="1654405"/>
+          </a:xfrm>
+          <a:prstGeom prst="rect">
+            <a:avLst/>
+          </a:prstGeom>
+        </p:spPr>
+      </p:pic>
+    </p:spTree>
+    <p:extLst>
+      <p:ext uri="{BB962C8B-B14F-4D97-AF65-F5344CB8AC3E}">
+        <p14:creationId xmlns:p14="http://schemas.microsoft.com/office/powerpoint/2010/main" val="2876257679"/>
+      </p:ext>
+    </p:extLst>
+  </p:cSld>
+  <p:clrMapOvr>
+    <a:masterClrMapping/>
+  </p:clrMapOvr>
+  <p:timing>
+    <p:tnLst>
+      <p:par>
+        <p:cTn id="1" dur="indefinite" restart="never" nodeType="tmRoot"/>
+      </p:par>
+    </p:tnLst>
+  </p:timing>
+</p:sld>
+</file>
+
+<file path=ppt/slides/slide11.xml><?xml version="1.0" encoding="utf-8"?>
+<p:sld xmlns:a="http://schemas.openxmlformats.org/drawingml/2006/main" xmlns:r="http://schemas.openxmlformats.org/officeDocument/2006/relationships" xmlns:p="http://schemas.openxmlformats.org/presentationml/2006/main">
+  <p:cSld>
+    <p:spTree>
+      <p:nvGrpSpPr>
+        <p:cNvPr id="1" name=""/>
+        <p:cNvGrpSpPr/>
+        <p:nvPr/>
+      </p:nvGrpSpPr>
+      <p:grpSpPr>
+        <a:xfrm>
+          <a:off x="0" y="0"/>
+          <a:ext cx="0" cy="0"/>
+          <a:chOff x="0" y="0"/>
+          <a:chExt cx="0" cy="0"/>
+        </a:xfrm>
+      </p:grpSpPr>
+      <p:sp>
+        <p:nvSpPr>
+          <p:cNvPr id="3" name="Объект 2"/>
+          <p:cNvSpPr>
+            <a:spLocks noGrp="1"/>
+          </p:cNvSpPr>
+          <p:nvPr>
+            <p:ph idx="1"/>
+          </p:nvPr>
+        </p:nvSpPr>
+        <p:spPr>
+          <a:xfrm>
+            <a:off x="1968500" y="1341343"/>
+            <a:ext cx="10020300" cy="4983257"/>
+          </a:xfrm>
+        </p:spPr>
+        <p:txBody>
+          <a:bodyPr>
+            <a:noAutofit/>
+          </a:bodyPr>
+          <a:lstStyle/>
+          <a:p>
+            <a:r>
+              <a:rPr lang="ru-RU" sz="3600" b="1" dirty="0" smtClean="0"/>
+              <a:t>7. </a:t>
+            </a:r>
+            <a:r>
+              <a:rPr lang="ru-RU" sz="3600" b="1" dirty="0"/>
+              <a:t>Практическая польза</a:t>
+            </a:r>
+          </a:p>
+          <a:p>
+            <a:pPr marL="1168400" indent="-635000">
+              <a:buFont typeface="Arial" panose="020B0604020202020204" pitchFamily="34" charset="0"/>
+              <a:buChar char="•"/>
+              <a:tabLst>
+                <a:tab pos="622300" algn="l"/>
+              </a:tabLst>
+            </a:pPr>
+            <a:r>
+              <a:rPr lang="ru-RU" sz="3600" dirty="0"/>
+              <a:t>Реальный кейс использования: электронный дневник, актуальный для школ и других учебных заведений.</a:t>
+            </a:r>
+          </a:p>
+          <a:p>
+            <a:pPr marL="1168400" indent="-635000">
+              <a:buFont typeface="Arial" panose="020B0604020202020204" pitchFamily="34" charset="0"/>
+              <a:buChar char="•"/>
+              <a:tabLst>
+                <a:tab pos="622300" algn="l"/>
+              </a:tabLst>
+            </a:pPr>
+            <a:r>
+              <a:rPr lang="ru-RU" sz="3600" dirty="0"/>
+              <a:t>Возможность расширения функционала под конкретные нужды (оценки, расписание, уведомления и т.д.).</a:t>
+            </a:r>
+          </a:p>
+        </p:txBody>
+      </p:sp>
+      <p:pic>
+        <p:nvPicPr>
+          <p:cNvPr id="5" name="Рисунок 4"/>
+          <p:cNvPicPr>
+            <a:picLocks noChangeAspect="1"/>
+          </p:cNvPicPr>
+          <p:nvPr/>
+        </p:nvPicPr>
+        <p:blipFill>
+          <a:blip r:embed="rId2" cstate="print">
+            <a:duotone>
+              <a:schemeClr val="accent5">
+                <a:shade val="45000"/>
+                <a:satMod val="135000"/>
+              </a:schemeClr>
+              <a:prstClr val="white"/>
+            </a:duotone>
+            <a:extLst>
+              <a:ext uri="{28A0092B-C50C-407E-A947-70E740481C1C}">
+                <a14:useLocalDpi xmlns:a14="http://schemas.microsoft.com/office/drawing/2010/main" val="0"/>
+              </a:ext>
+            </a:extLst>
+          </a:blip>
+          <a:stretch>
+            <a:fillRect/>
+          </a:stretch>
+        </p:blipFill>
+        <p:spPr>
+          <a:xfrm>
+            <a:off x="588433" y="2785533"/>
+            <a:ext cx="1380067" cy="1380067"/>
+          </a:xfrm>
+          <a:prstGeom prst="rect">
+            <a:avLst/>
+          </a:prstGeom>
+        </p:spPr>
+      </p:pic>
+    </p:spTree>
+    <p:extLst>
+      <p:ext uri="{BB962C8B-B14F-4D97-AF65-F5344CB8AC3E}">
+        <p14:creationId xmlns:p14="http://schemas.microsoft.com/office/powerpoint/2010/main" val="1711618004"/>
+      </p:ext>
+    </p:extLst>
+  </p:cSld>
+  <p:clrMapOvr>
+    <a:masterClrMapping/>
+  </p:clrMapOvr>
+  <p:timing>
+    <p:tnLst>
+      <p:par>
+        <p:cTn id="1" dur="indefinite" restart="never" nodeType="tmRoot"/>
+      </p:par>
+    </p:tnLst>
+  </p:timing>
+</p:sld>
+</file>
+
+<file path=ppt/slides/slide12.xml><?xml version="1.0" encoding="utf-8"?>
+<p:sld xmlns:a="http://schemas.openxmlformats.org/drawingml/2006/main" xmlns:r="http://schemas.openxmlformats.org/officeDocument/2006/relationships" xmlns:p="http://schemas.openxmlformats.org/presentationml/2006/main">
+  <p:cSld>
+    <p:spTree>
+      <p:nvGrpSpPr>
+        <p:cNvPr id="1" name=""/>
+        <p:cNvGrpSpPr/>
+        <p:nvPr/>
+      </p:nvGrpSpPr>
+      <p:grpSpPr>
+        <a:xfrm>
+          <a:off x="0" y="0"/>
+          <a:ext cx="0" cy="0"/>
+          <a:chOff x="0" y="0"/>
+          <a:chExt cx="0" cy="0"/>
+        </a:xfrm>
+      </p:grpSpPr>
+      <p:sp>
+        <p:nvSpPr>
           <p:cNvPr id="2" name="Заголовок 1"/>
           <p:cNvSpPr>
             <a:spLocks noGrp="1"/>
@@ -3085,16 +3604,1524 @@
             <p:ph type="title"/>
           </p:nvPr>
         </p:nvSpPr>
+        <p:spPr>
+          <a:xfrm>
+            <a:off x="490297" y="1898414"/>
+            <a:ext cx="7294803" cy="1325563"/>
+          </a:xfrm>
+        </p:spPr>
+        <p:txBody>
+          <a:bodyPr/>
+          <a:lstStyle/>
+          <a:p>
+            <a:pPr algn="ctr"/>
+            <a:r>
+              <a:rPr lang="ru-RU" b="1" dirty="0" smtClean="0"/>
+              <a:t>Структура проекта</a:t>
+            </a:r>
+            <a:endParaRPr lang="ru-RU" b="1" dirty="0"/>
+          </a:p>
+        </p:txBody>
+      </p:sp>
+      <p:pic>
+        <p:nvPicPr>
+          <p:cNvPr id="6" name="Объект 5"/>
+          <p:cNvPicPr>
+            <a:picLocks noGrp="1" noChangeAspect="1"/>
+          </p:cNvPicPr>
+          <p:nvPr>
+            <p:ph idx="1"/>
+          </p:nvPr>
+        </p:nvPicPr>
+        <p:blipFill rotWithShape="1">
+          <a:blip r:embed="rId2">
+            <a:duotone>
+              <a:schemeClr val="accent5">
+                <a:shade val="45000"/>
+                <a:satMod val="135000"/>
+              </a:schemeClr>
+              <a:prstClr val="white"/>
+            </a:duotone>
+          </a:blip>
+          <a:srcRect l="32912" t="21529" r="53525" b="35336"/>
+          <a:stretch/>
+        </p:blipFill>
+        <p:spPr>
+          <a:xfrm>
+            <a:off x="7620000" y="331903"/>
+            <a:ext cx="3535679" cy="6325294"/>
+          </a:xfrm>
+          <a:prstGeom prst="rect">
+            <a:avLst/>
+          </a:prstGeom>
+        </p:spPr>
+      </p:pic>
+      <p:pic>
+        <p:nvPicPr>
+          <p:cNvPr id="4" name="Рисунок 3"/>
+          <p:cNvPicPr>
+            <a:picLocks noChangeAspect="1"/>
+          </p:cNvPicPr>
+          <p:nvPr/>
+        </p:nvPicPr>
+        <p:blipFill rotWithShape="1">
+          <a:blip r:embed="rId3">
+            <a:duotone>
+              <a:schemeClr val="accent5">
+                <a:shade val="45000"/>
+                <a:satMod val="135000"/>
+              </a:schemeClr>
+              <a:prstClr val="white"/>
+            </a:duotone>
+            <a:extLst>
+              <a:ext uri="{28A0092B-C50C-407E-A947-70E740481C1C}">
+                <a14:useLocalDpi xmlns:a14="http://schemas.microsoft.com/office/drawing/2010/main" val="0"/>
+              </a:ext>
+            </a:extLst>
+          </a:blip>
+          <a:srcRect b="42707"/>
+          <a:stretch/>
+        </p:blipFill>
+        <p:spPr>
+          <a:xfrm>
+            <a:off x="2832192" y="3494550"/>
+            <a:ext cx="3527723" cy="2021123"/>
+          </a:xfrm>
+          <a:prstGeom prst="rect">
+            <a:avLst/>
+          </a:prstGeom>
+        </p:spPr>
+      </p:pic>
+    </p:spTree>
+    <p:extLst>
+      <p:ext uri="{BB962C8B-B14F-4D97-AF65-F5344CB8AC3E}">
+        <p14:creationId xmlns:p14="http://schemas.microsoft.com/office/powerpoint/2010/main" val="194256759"/>
+      </p:ext>
+    </p:extLst>
+  </p:cSld>
+  <p:clrMapOvr>
+    <a:masterClrMapping/>
+  </p:clrMapOvr>
+  <p:timing>
+    <p:tnLst>
+      <p:par>
+        <p:cTn id="1" dur="indefinite" restart="never" nodeType="tmRoot"/>
+      </p:par>
+    </p:tnLst>
+  </p:timing>
+</p:sld>
+</file>
+
+<file path=ppt/slides/slide13.xml><?xml version="1.0" encoding="utf-8"?>
+<p:sld xmlns:a="http://schemas.openxmlformats.org/drawingml/2006/main" xmlns:r="http://schemas.openxmlformats.org/officeDocument/2006/relationships" xmlns:p="http://schemas.openxmlformats.org/presentationml/2006/main">
+  <p:cSld>
+    <p:spTree>
+      <p:nvGrpSpPr>
+        <p:cNvPr id="1" name=""/>
+        <p:cNvGrpSpPr/>
+        <p:nvPr/>
+      </p:nvGrpSpPr>
+      <p:grpSpPr>
+        <a:xfrm>
+          <a:off x="0" y="0"/>
+          <a:ext cx="0" cy="0"/>
+          <a:chOff x="0" y="0"/>
+          <a:chExt cx="0" cy="0"/>
+        </a:xfrm>
+      </p:grpSpPr>
+      <p:sp>
+        <p:nvSpPr>
+          <p:cNvPr id="2" name="Заголовок 1"/>
+          <p:cNvSpPr>
+            <a:spLocks noGrp="1"/>
+          </p:cNvSpPr>
+          <p:nvPr>
+            <p:ph type="title"/>
+          </p:nvPr>
+        </p:nvSpPr>
+        <p:spPr>
+          <a:xfrm>
+            <a:off x="1506912" y="2240447"/>
+            <a:ext cx="8940800" cy="1325563"/>
+          </a:xfrm>
+        </p:spPr>
+        <p:txBody>
+          <a:bodyPr>
+            <a:normAutofit/>
+          </a:bodyPr>
+          <a:lstStyle/>
+          <a:p>
+            <a:pPr algn="ctr"/>
+            <a:r>
+              <a:rPr lang="ru-RU" sz="8000" b="1" dirty="0" smtClean="0"/>
+              <a:t>Функционал</a:t>
+            </a:r>
+            <a:endParaRPr lang="ru-RU" sz="8000" b="1" dirty="0"/>
+          </a:p>
+        </p:txBody>
+      </p:sp>
+      <p:pic>
+        <p:nvPicPr>
+          <p:cNvPr id="4" name="Рисунок 3"/>
+          <p:cNvPicPr>
+            <a:picLocks noChangeAspect="1"/>
+          </p:cNvPicPr>
+          <p:nvPr/>
+        </p:nvPicPr>
+        <p:blipFill rotWithShape="1">
+          <a:blip r:embed="rId2">
+            <a:duotone>
+              <a:schemeClr val="accent5">
+                <a:shade val="45000"/>
+                <a:satMod val="135000"/>
+              </a:schemeClr>
+              <a:prstClr val="white"/>
+            </a:duotone>
+            <a:extLst>
+              <a:ext uri="{28A0092B-C50C-407E-A947-70E740481C1C}">
+                <a14:useLocalDpi xmlns:a14="http://schemas.microsoft.com/office/drawing/2010/main" val="0"/>
+              </a:ext>
+            </a:extLst>
+          </a:blip>
+          <a:srcRect t="57640" r="54161"/>
+          <a:stretch/>
+        </p:blipFill>
+        <p:spPr>
+          <a:xfrm>
+            <a:off x="5177211" y="4148310"/>
+            <a:ext cx="1600202" cy="1478756"/>
+          </a:xfrm>
+          <a:prstGeom prst="rect">
+            <a:avLst/>
+          </a:prstGeom>
+        </p:spPr>
+      </p:pic>
+    </p:spTree>
+    <p:extLst>
+      <p:ext uri="{BB962C8B-B14F-4D97-AF65-F5344CB8AC3E}">
+        <p14:creationId xmlns:p14="http://schemas.microsoft.com/office/powerpoint/2010/main" val="1874548615"/>
+      </p:ext>
+    </p:extLst>
+  </p:cSld>
+  <p:clrMapOvr>
+    <a:masterClrMapping/>
+  </p:clrMapOvr>
+  <p:timing>
+    <p:tnLst>
+      <p:par>
+        <p:cTn id="1" dur="indefinite" restart="never" nodeType="tmRoot"/>
+      </p:par>
+    </p:tnLst>
+  </p:timing>
+</p:sld>
+</file>
+
+<file path=ppt/slides/slide14.xml><?xml version="1.0" encoding="utf-8"?>
+<p:sld xmlns:a="http://schemas.openxmlformats.org/drawingml/2006/main" xmlns:r="http://schemas.openxmlformats.org/officeDocument/2006/relationships" xmlns:p="http://schemas.openxmlformats.org/presentationml/2006/main">
+  <p:cSld>
+    <p:spTree>
+      <p:nvGrpSpPr>
+        <p:cNvPr id="1" name=""/>
+        <p:cNvGrpSpPr/>
+        <p:nvPr/>
+      </p:nvGrpSpPr>
+      <p:grpSpPr>
+        <a:xfrm>
+          <a:off x="0" y="0"/>
+          <a:ext cx="0" cy="0"/>
+          <a:chOff x="0" y="0"/>
+          <a:chExt cx="0" cy="0"/>
+        </a:xfrm>
+      </p:grpSpPr>
+      <p:sp>
+        <p:nvSpPr>
+          <p:cNvPr id="2" name="Заголовок 1"/>
+          <p:cNvSpPr>
+            <a:spLocks noGrp="1"/>
+          </p:cNvSpPr>
+          <p:nvPr>
+            <p:ph type="title"/>
+          </p:nvPr>
+        </p:nvSpPr>
+        <p:spPr>
+          <a:xfrm>
+            <a:off x="952500" y="259247"/>
+            <a:ext cx="10401300" cy="1325563"/>
+          </a:xfrm>
+        </p:spPr>
+        <p:txBody>
+          <a:bodyPr/>
+          <a:lstStyle/>
+          <a:p>
+            <a:pPr algn="ctr"/>
+            <a:r>
+              <a:rPr lang="ru-RU" b="1" dirty="0"/>
+              <a:t>Функционал</a:t>
+            </a:r>
+            <a:endParaRPr lang="ru-RU" b="1" dirty="0"/>
+          </a:p>
+        </p:txBody>
+      </p:sp>
+      <p:sp>
+        <p:nvSpPr>
+          <p:cNvPr id="3" name="Объект 2"/>
+          <p:cNvSpPr>
+            <a:spLocks noGrp="1"/>
+          </p:cNvSpPr>
+          <p:nvPr>
+            <p:ph idx="1"/>
+          </p:nvPr>
+        </p:nvSpPr>
+        <p:spPr>
+          <a:xfrm>
+            <a:off x="838200" y="1727202"/>
+            <a:ext cx="10515600" cy="3543300"/>
+          </a:xfrm>
+        </p:spPr>
+        <p:txBody>
+          <a:bodyPr>
+            <a:normAutofit/>
+          </a:bodyPr>
+          <a:lstStyle/>
+          <a:p>
+            <a:pPr marL="457200" indent="-457200">
+              <a:lnSpc>
+                <a:spcPct val="100000"/>
+              </a:lnSpc>
+              <a:buFont typeface="Arial" panose="020B0604020202020204" pitchFamily="34" charset="0"/>
+              <a:buChar char="•"/>
+            </a:pPr>
+            <a:r>
+              <a:rPr lang="en-US" sz="3200" b="1" dirty="0" err="1"/>
+              <a:t>A</a:t>
+            </a:r>
+            <a:r>
+              <a:rPr lang="en-US" sz="3200" b="1" dirty="0" err="1" smtClean="0"/>
+              <a:t>dmin_panel</a:t>
+            </a:r>
+            <a:r>
+              <a:rPr lang="en-US" sz="3200" dirty="0" smtClean="0"/>
+              <a:t> </a:t>
+            </a:r>
+            <a:r>
+              <a:rPr lang="ru-RU" sz="3200" dirty="0" smtClean="0"/>
+              <a:t>админ панель для изменения роли пользователей</a:t>
+            </a:r>
+            <a:endParaRPr lang="en-US" sz="3200" dirty="0" smtClean="0"/>
+          </a:p>
+          <a:p>
+            <a:pPr marL="457200" indent="-457200">
+              <a:lnSpc>
+                <a:spcPct val="100000"/>
+              </a:lnSpc>
+              <a:buFont typeface="Arial" panose="020B0604020202020204" pitchFamily="34" charset="0"/>
+              <a:buChar char="•"/>
+            </a:pPr>
+            <a:r>
+              <a:rPr lang="en-US" sz="3200" b="1" dirty="0" err="1" smtClean="0"/>
+              <a:t>Auth</a:t>
+            </a:r>
+            <a:r>
+              <a:rPr lang="ru-RU" sz="3200" dirty="0" smtClean="0"/>
+              <a:t> модуль для регистрации, авторизации и работы с пользователями</a:t>
+            </a:r>
+            <a:endParaRPr lang="en-US" sz="3200" dirty="0" smtClean="0"/>
+          </a:p>
+          <a:p>
+            <a:pPr marL="457200" indent="-457200">
+              <a:lnSpc>
+                <a:spcPct val="100000"/>
+              </a:lnSpc>
+              <a:buFont typeface="Arial" panose="020B0604020202020204" pitchFamily="34" charset="0"/>
+              <a:buChar char="•"/>
+            </a:pPr>
+            <a:r>
+              <a:rPr lang="en-US" sz="3200" b="1" dirty="0"/>
+              <a:t>C</a:t>
+            </a:r>
+            <a:r>
+              <a:rPr lang="en-US" sz="3200" b="1" dirty="0" smtClean="0"/>
+              <a:t>hat</a:t>
+            </a:r>
+            <a:r>
+              <a:rPr lang="ru-RU" sz="3200" dirty="0" smtClean="0"/>
+              <a:t> модуль для работы с чатами пользователей (создание </a:t>
+            </a:r>
+            <a:r>
+              <a:rPr lang="ru-RU" sz="3200" dirty="0" smtClean="0"/>
+              <a:t>чатов, </a:t>
+            </a:r>
+            <a:r>
+              <a:rPr lang="ru-RU" sz="3200" dirty="0" smtClean="0"/>
+              <a:t>просмотр чатов</a:t>
+            </a:r>
+            <a:r>
+              <a:rPr lang="ru-RU" sz="3200" dirty="0" smtClean="0"/>
+              <a:t>)</a:t>
+            </a:r>
+            <a:endParaRPr lang="en-US" sz="3200" dirty="0" smtClean="0"/>
+          </a:p>
+        </p:txBody>
+      </p:sp>
+      <p:pic>
+        <p:nvPicPr>
+          <p:cNvPr id="4" name="Рисунок 3"/>
+          <p:cNvPicPr>
+            <a:picLocks noChangeAspect="1"/>
+          </p:cNvPicPr>
+          <p:nvPr/>
+        </p:nvPicPr>
+        <p:blipFill rotWithShape="1">
+          <a:blip r:embed="rId2">
+            <a:duotone>
+              <a:schemeClr val="accent5">
+                <a:shade val="45000"/>
+                <a:satMod val="135000"/>
+              </a:schemeClr>
+              <a:prstClr val="white"/>
+            </a:duotone>
+            <a:extLst>
+              <a:ext uri="{28A0092B-C50C-407E-A947-70E740481C1C}">
+                <a14:useLocalDpi xmlns:a14="http://schemas.microsoft.com/office/drawing/2010/main" val="0"/>
+              </a:ext>
+            </a:extLst>
+          </a:blip>
+          <a:srcRect t="57640" r="54161"/>
+          <a:stretch/>
+        </p:blipFill>
+        <p:spPr>
+          <a:xfrm>
+            <a:off x="10855584" y="5638799"/>
+            <a:ext cx="1226043" cy="1132993"/>
+          </a:xfrm>
+          <a:prstGeom prst="rect">
+            <a:avLst/>
+          </a:prstGeom>
+        </p:spPr>
+      </p:pic>
+    </p:spTree>
+    <p:extLst>
+      <p:ext uri="{BB962C8B-B14F-4D97-AF65-F5344CB8AC3E}">
+        <p14:creationId xmlns:p14="http://schemas.microsoft.com/office/powerpoint/2010/main" val="373331074"/>
+      </p:ext>
+    </p:extLst>
+  </p:cSld>
+  <p:clrMapOvr>
+    <a:masterClrMapping/>
+  </p:clrMapOvr>
+  <p:timing>
+    <p:tnLst>
+      <p:par>
+        <p:cTn id="1" dur="indefinite" restart="never" nodeType="tmRoot"/>
+      </p:par>
+    </p:tnLst>
+  </p:timing>
+</p:sld>
+</file>
+
+<file path=ppt/slides/slide15.xml><?xml version="1.0" encoding="utf-8"?>
+<p:sld xmlns:a="http://schemas.openxmlformats.org/drawingml/2006/main" xmlns:r="http://schemas.openxmlformats.org/officeDocument/2006/relationships" xmlns:p="http://schemas.openxmlformats.org/presentationml/2006/main">
+  <p:cSld>
+    <p:spTree>
+      <p:nvGrpSpPr>
+        <p:cNvPr id="1" name=""/>
+        <p:cNvGrpSpPr/>
+        <p:nvPr/>
+      </p:nvGrpSpPr>
+      <p:grpSpPr>
+        <a:xfrm>
+          <a:off x="0" y="0"/>
+          <a:ext cx="0" cy="0"/>
+          <a:chOff x="0" y="0"/>
+          <a:chExt cx="0" cy="0"/>
+        </a:xfrm>
+      </p:grpSpPr>
+      <p:sp>
+        <p:nvSpPr>
+          <p:cNvPr id="2" name="Заголовок 1"/>
+          <p:cNvSpPr>
+            <a:spLocks noGrp="1"/>
+          </p:cNvSpPr>
+          <p:nvPr>
+            <p:ph type="title"/>
+          </p:nvPr>
+        </p:nvSpPr>
+        <p:spPr>
+          <a:xfrm>
+            <a:off x="838200" y="259247"/>
+            <a:ext cx="10515600" cy="1325563"/>
+          </a:xfrm>
+        </p:spPr>
+        <p:txBody>
+          <a:bodyPr/>
+          <a:lstStyle/>
+          <a:p>
+            <a:pPr algn="ctr"/>
+            <a:r>
+              <a:rPr lang="ru-RU" b="1" dirty="0"/>
+              <a:t>Функционал</a:t>
+            </a:r>
+            <a:endParaRPr lang="ru-RU" b="1" dirty="0"/>
+          </a:p>
+        </p:txBody>
+      </p:sp>
+      <p:sp>
+        <p:nvSpPr>
+          <p:cNvPr id="3" name="Объект 2"/>
+          <p:cNvSpPr>
+            <a:spLocks noGrp="1"/>
+          </p:cNvSpPr>
+          <p:nvPr>
+            <p:ph idx="1"/>
+          </p:nvPr>
+        </p:nvSpPr>
+        <p:spPr>
+          <a:xfrm>
+            <a:off x="838200" y="1714500"/>
+            <a:ext cx="10515600" cy="4356585"/>
+          </a:xfrm>
+        </p:spPr>
+        <p:txBody>
+          <a:bodyPr>
+            <a:normAutofit/>
+          </a:bodyPr>
+          <a:lstStyle/>
+          <a:p>
+            <a:pPr marL="457200" indent="-457200">
+              <a:lnSpc>
+                <a:spcPct val="100000"/>
+              </a:lnSpc>
+              <a:buFont typeface="Arial" panose="020B0604020202020204" pitchFamily="34" charset="0"/>
+              <a:buChar char="•"/>
+            </a:pPr>
+            <a:r>
+              <a:rPr lang="en-US" sz="3200" b="1" dirty="0" smtClean="0"/>
+              <a:t>Group</a:t>
+            </a:r>
+            <a:r>
+              <a:rPr lang="ru-RU" sz="3200" b="1" dirty="0" smtClean="0"/>
+              <a:t> </a:t>
+            </a:r>
+            <a:r>
+              <a:rPr lang="ru-RU" sz="3200" dirty="0" smtClean="0"/>
+              <a:t> </a:t>
+            </a:r>
+            <a:r>
+              <a:rPr lang="ru-RU" sz="3200" dirty="0" smtClean="0"/>
+              <a:t>модуль для работы с группами (создание, изменение, удаление группы, добавление в группу, удаление из группы)</a:t>
+            </a:r>
+            <a:endParaRPr lang="en-US" sz="3200" dirty="0" smtClean="0"/>
+          </a:p>
+          <a:p>
+            <a:pPr marL="457200" indent="-457200">
+              <a:lnSpc>
+                <a:spcPct val="100000"/>
+              </a:lnSpc>
+              <a:buFont typeface="Arial" panose="020B0604020202020204" pitchFamily="34" charset="0"/>
+              <a:buChar char="•"/>
+            </a:pPr>
+            <a:r>
+              <a:rPr lang="en-US" sz="3200" b="1" dirty="0" smtClean="0"/>
+              <a:t>Lesson</a:t>
+            </a:r>
+            <a:r>
+              <a:rPr lang="ru-RU" sz="3200" b="1" dirty="0" smtClean="0"/>
+              <a:t> </a:t>
+            </a:r>
+            <a:r>
+              <a:rPr lang="ru-RU" sz="3200" dirty="0" smtClean="0"/>
+              <a:t>модуль для работы с уроками (создание, изменение, удаление, получение уроков по </a:t>
+            </a:r>
+            <a:r>
+              <a:rPr lang="en-US" sz="3200" dirty="0" smtClean="0"/>
+              <a:t>id </a:t>
+            </a:r>
+            <a:r>
+              <a:rPr lang="ru-RU" sz="3200" dirty="0" smtClean="0"/>
+              <a:t>группы</a:t>
+            </a:r>
+            <a:r>
+              <a:rPr lang="ru-RU" sz="3200" dirty="0" smtClean="0"/>
+              <a:t>)</a:t>
+            </a:r>
+          </a:p>
+          <a:p>
+            <a:pPr marL="457200" indent="-457200">
+              <a:lnSpc>
+                <a:spcPct val="100000"/>
+              </a:lnSpc>
+              <a:buFont typeface="Arial" panose="020B0604020202020204" pitchFamily="34" charset="0"/>
+              <a:buChar char="•"/>
+            </a:pPr>
+            <a:endParaRPr lang="en-US" b="1" dirty="0" smtClean="0"/>
+          </a:p>
+        </p:txBody>
+      </p:sp>
+      <p:pic>
+        <p:nvPicPr>
+          <p:cNvPr id="4" name="Рисунок 3"/>
+          <p:cNvPicPr>
+            <a:picLocks noChangeAspect="1"/>
+          </p:cNvPicPr>
+          <p:nvPr/>
+        </p:nvPicPr>
+        <p:blipFill rotWithShape="1">
+          <a:blip r:embed="rId2">
+            <a:duotone>
+              <a:schemeClr val="accent5">
+                <a:shade val="45000"/>
+                <a:satMod val="135000"/>
+              </a:schemeClr>
+              <a:prstClr val="white"/>
+            </a:duotone>
+            <a:extLst>
+              <a:ext uri="{28A0092B-C50C-407E-A947-70E740481C1C}">
+                <a14:useLocalDpi xmlns:a14="http://schemas.microsoft.com/office/drawing/2010/main" val="0"/>
+              </a:ext>
+            </a:extLst>
+          </a:blip>
+          <a:srcRect t="57640" r="54161"/>
+          <a:stretch/>
+        </p:blipFill>
+        <p:spPr>
+          <a:xfrm>
+            <a:off x="10845800" y="5629757"/>
+            <a:ext cx="1235827" cy="1142035"/>
+          </a:xfrm>
+          <a:prstGeom prst="rect">
+            <a:avLst/>
+          </a:prstGeom>
+        </p:spPr>
+      </p:pic>
+    </p:spTree>
+    <p:extLst>
+      <p:ext uri="{BB962C8B-B14F-4D97-AF65-F5344CB8AC3E}">
+        <p14:creationId xmlns:p14="http://schemas.microsoft.com/office/powerpoint/2010/main" val="967763170"/>
+      </p:ext>
+    </p:extLst>
+  </p:cSld>
+  <p:clrMapOvr>
+    <a:masterClrMapping/>
+  </p:clrMapOvr>
+  <p:timing>
+    <p:tnLst>
+      <p:par>
+        <p:cTn id="1" dur="indefinite" restart="never" nodeType="tmRoot"/>
+      </p:par>
+    </p:tnLst>
+  </p:timing>
+</p:sld>
+</file>
+
+<file path=ppt/slides/slide16.xml><?xml version="1.0" encoding="utf-8"?>
+<p:sld xmlns:a="http://schemas.openxmlformats.org/drawingml/2006/main" xmlns:r="http://schemas.openxmlformats.org/officeDocument/2006/relationships" xmlns:p="http://schemas.openxmlformats.org/presentationml/2006/main">
+  <p:cSld>
+    <p:spTree>
+      <p:nvGrpSpPr>
+        <p:cNvPr id="1" name=""/>
+        <p:cNvGrpSpPr/>
+        <p:nvPr/>
+      </p:nvGrpSpPr>
+      <p:grpSpPr>
+        <a:xfrm>
+          <a:off x="0" y="0"/>
+          <a:ext cx="0" cy="0"/>
+          <a:chOff x="0" y="0"/>
+          <a:chExt cx="0" cy="0"/>
+        </a:xfrm>
+      </p:grpSpPr>
+      <p:sp>
+        <p:nvSpPr>
+          <p:cNvPr id="2" name="Заголовок 1"/>
+          <p:cNvSpPr>
+            <a:spLocks noGrp="1"/>
+          </p:cNvSpPr>
+          <p:nvPr>
+            <p:ph type="title"/>
+          </p:nvPr>
+        </p:nvSpPr>
+        <p:spPr>
+          <a:xfrm>
+            <a:off x="838200" y="259247"/>
+            <a:ext cx="10515600" cy="1325563"/>
+          </a:xfrm>
+        </p:spPr>
+        <p:txBody>
+          <a:bodyPr/>
+          <a:lstStyle/>
+          <a:p>
+            <a:pPr algn="ctr"/>
+            <a:r>
+              <a:rPr lang="ru-RU" b="1" dirty="0"/>
+              <a:t>Функционал</a:t>
+            </a:r>
+            <a:endParaRPr lang="ru-RU" b="1" dirty="0"/>
+          </a:p>
+        </p:txBody>
+      </p:sp>
+      <p:sp>
+        <p:nvSpPr>
+          <p:cNvPr id="3" name="Объект 2"/>
+          <p:cNvSpPr>
+            <a:spLocks noGrp="1"/>
+          </p:cNvSpPr>
+          <p:nvPr>
+            <p:ph idx="1"/>
+          </p:nvPr>
+        </p:nvSpPr>
+        <p:spPr>
+          <a:xfrm>
+            <a:off x="694113" y="1724510"/>
+            <a:ext cx="10769600" cy="4044947"/>
+          </a:xfrm>
+        </p:spPr>
+        <p:txBody>
+          <a:bodyPr>
+            <a:noAutofit/>
+          </a:bodyPr>
+          <a:lstStyle/>
+          <a:p>
+            <a:pPr marL="457200" indent="-457200">
+              <a:buFont typeface="Arial" panose="020B0604020202020204" pitchFamily="34" charset="0"/>
+              <a:buChar char="•"/>
+            </a:pPr>
+            <a:r>
+              <a:rPr lang="en-US" sz="3200" b="1" dirty="0"/>
+              <a:t>Marks</a:t>
+            </a:r>
+            <a:r>
+              <a:rPr lang="ru-RU" sz="3200" b="1" dirty="0"/>
+              <a:t> </a:t>
+            </a:r>
+            <a:r>
+              <a:rPr lang="ru-RU" sz="3200" dirty="0"/>
+              <a:t>модуль для работы с оценками (выставление оценок организовано через </a:t>
+            </a:r>
+            <a:r>
+              <a:rPr lang="ru-RU" sz="3200" dirty="0" err="1"/>
+              <a:t>вебсокеты</a:t>
+            </a:r>
+            <a:r>
+              <a:rPr lang="ru-RU" sz="3200" dirty="0"/>
+              <a:t> для быстрой </a:t>
+            </a:r>
+            <a:r>
+              <a:rPr lang="ru-RU" sz="3200" dirty="0" err="1"/>
+              <a:t>предачи</a:t>
+            </a:r>
+            <a:r>
+              <a:rPr lang="ru-RU" sz="3200" dirty="0"/>
+              <a:t> данных, получение оценок по </a:t>
+            </a:r>
+            <a:r>
+              <a:rPr lang="en-US" sz="3200" dirty="0"/>
+              <a:t>id </a:t>
+            </a:r>
+            <a:r>
+              <a:rPr lang="ru-RU" sz="3200" dirty="0"/>
+              <a:t>группы, пользователя, предмета)</a:t>
+            </a:r>
+            <a:endParaRPr lang="en-US" sz="3200" b="1" dirty="0"/>
+          </a:p>
+          <a:p>
+            <a:pPr marL="457200" indent="-457200">
+              <a:buFont typeface="Arial" panose="020B0604020202020204" pitchFamily="34" charset="0"/>
+              <a:buChar char="•"/>
+            </a:pPr>
+            <a:r>
+              <a:rPr lang="en-US" sz="3200" b="1" dirty="0"/>
+              <a:t>Subject </a:t>
+            </a:r>
+            <a:r>
+              <a:rPr lang="ru-RU" sz="3200" dirty="0"/>
+              <a:t>модуль для работы с предметами (создание, изменение, удаление, получение всех предметов, получение предмета по </a:t>
+            </a:r>
+            <a:r>
+              <a:rPr lang="en-US" sz="3200" dirty="0"/>
+              <a:t>id</a:t>
+            </a:r>
+            <a:r>
+              <a:rPr lang="ru-RU" sz="3200" dirty="0"/>
+              <a:t>, получение групп у которых ведётся предмет</a:t>
+            </a:r>
+            <a:r>
+              <a:rPr lang="ru-RU" sz="3200" dirty="0" smtClean="0"/>
+              <a:t>)</a:t>
+            </a:r>
+            <a:endParaRPr lang="en-US" sz="3200" b="1" dirty="0"/>
+          </a:p>
+        </p:txBody>
+      </p:sp>
+      <p:pic>
+        <p:nvPicPr>
+          <p:cNvPr id="4" name="Рисунок 3"/>
+          <p:cNvPicPr>
+            <a:picLocks noChangeAspect="1"/>
+          </p:cNvPicPr>
+          <p:nvPr/>
+        </p:nvPicPr>
+        <p:blipFill rotWithShape="1">
+          <a:blip r:embed="rId2">
+            <a:duotone>
+              <a:schemeClr val="accent5">
+                <a:shade val="45000"/>
+                <a:satMod val="135000"/>
+              </a:schemeClr>
+              <a:prstClr val="white"/>
+            </a:duotone>
+            <a:extLst>
+              <a:ext uri="{28A0092B-C50C-407E-A947-70E740481C1C}">
+                <a14:useLocalDpi xmlns:a14="http://schemas.microsoft.com/office/drawing/2010/main" val="0"/>
+              </a:ext>
+            </a:extLst>
+          </a:blip>
+          <a:srcRect t="57640" r="54161"/>
+          <a:stretch/>
+        </p:blipFill>
+        <p:spPr>
+          <a:xfrm>
+            <a:off x="10845800" y="5629757"/>
+            <a:ext cx="1235827" cy="1142035"/>
+          </a:xfrm>
+          <a:prstGeom prst="rect">
+            <a:avLst/>
+          </a:prstGeom>
+        </p:spPr>
+      </p:pic>
+    </p:spTree>
+    <p:extLst>
+      <p:ext uri="{BB962C8B-B14F-4D97-AF65-F5344CB8AC3E}">
+        <p14:creationId xmlns:p14="http://schemas.microsoft.com/office/powerpoint/2010/main" val="578975614"/>
+      </p:ext>
+    </p:extLst>
+  </p:cSld>
+  <p:clrMapOvr>
+    <a:masterClrMapping/>
+  </p:clrMapOvr>
+  <p:timing>
+    <p:tnLst>
+      <p:par>
+        <p:cTn id="1" dur="indefinite" restart="never" nodeType="tmRoot"/>
+      </p:par>
+    </p:tnLst>
+  </p:timing>
+</p:sld>
+</file>
+
+<file path=ppt/slides/slide17.xml><?xml version="1.0" encoding="utf-8"?>
+<p:sld xmlns:a="http://schemas.openxmlformats.org/drawingml/2006/main" xmlns:r="http://schemas.openxmlformats.org/officeDocument/2006/relationships" xmlns:p="http://schemas.openxmlformats.org/presentationml/2006/main">
+  <p:cSld>
+    <p:spTree>
+      <p:nvGrpSpPr>
+        <p:cNvPr id="1" name=""/>
+        <p:cNvGrpSpPr/>
+        <p:nvPr/>
+      </p:nvGrpSpPr>
+      <p:grpSpPr>
+        <a:xfrm>
+          <a:off x="0" y="0"/>
+          <a:ext cx="0" cy="0"/>
+          <a:chOff x="0" y="0"/>
+          <a:chExt cx="0" cy="0"/>
+        </a:xfrm>
+      </p:grpSpPr>
+      <p:sp>
+        <p:nvSpPr>
+          <p:cNvPr id="2" name="Заголовок 1"/>
+          <p:cNvSpPr>
+            <a:spLocks noGrp="1"/>
+          </p:cNvSpPr>
+          <p:nvPr>
+            <p:ph type="title"/>
+          </p:nvPr>
+        </p:nvSpPr>
+        <p:spPr>
+          <a:xfrm>
+            <a:off x="1084291" y="2044699"/>
+            <a:ext cx="10218707" cy="1714501"/>
+          </a:xfrm>
+        </p:spPr>
+        <p:txBody>
+          <a:bodyPr>
+            <a:normAutofit/>
+          </a:bodyPr>
+          <a:lstStyle/>
+          <a:p>
+            <a:pPr algn="ctr"/>
+            <a:r>
+              <a:rPr lang="ru-RU" sz="7200" b="1" dirty="0" smtClean="0"/>
+              <a:t>Дизайн сайта</a:t>
+            </a:r>
+            <a:endParaRPr lang="ru-RU" sz="7200" b="1" dirty="0"/>
+          </a:p>
+        </p:txBody>
+      </p:sp>
+      <p:pic>
+        <p:nvPicPr>
+          <p:cNvPr id="3" name="Рисунок 2"/>
+          <p:cNvPicPr>
+            <a:picLocks noChangeAspect="1"/>
+          </p:cNvPicPr>
+          <p:nvPr/>
+        </p:nvPicPr>
+        <p:blipFill rotWithShape="1">
+          <a:blip r:embed="rId2">
+            <a:duotone>
+              <a:schemeClr val="accent5">
+                <a:shade val="45000"/>
+                <a:satMod val="135000"/>
+              </a:schemeClr>
+              <a:prstClr val="white"/>
+            </a:duotone>
+            <a:extLst>
+              <a:ext uri="{28A0092B-C50C-407E-A947-70E740481C1C}">
+                <a14:useLocalDpi xmlns:a14="http://schemas.microsoft.com/office/drawing/2010/main" val="0"/>
+              </a:ext>
+            </a:extLst>
+          </a:blip>
+          <a:srcRect b="42707"/>
+          <a:stretch/>
+        </p:blipFill>
+        <p:spPr>
+          <a:xfrm>
+            <a:off x="4579420" y="3759200"/>
+            <a:ext cx="3228447" cy="1849660"/>
+          </a:xfrm>
+          <a:prstGeom prst="rect">
+            <a:avLst/>
+          </a:prstGeom>
+        </p:spPr>
+      </p:pic>
+    </p:spTree>
+    <p:extLst>
+      <p:ext uri="{BB962C8B-B14F-4D97-AF65-F5344CB8AC3E}">
+        <p14:creationId xmlns:p14="http://schemas.microsoft.com/office/powerpoint/2010/main" val="1278833038"/>
+      </p:ext>
+    </p:extLst>
+  </p:cSld>
+  <p:clrMapOvr>
+    <a:masterClrMapping/>
+  </p:clrMapOvr>
+  <p:timing>
+    <p:tnLst>
+      <p:par>
+        <p:cTn id="1" dur="indefinite" restart="never" nodeType="tmRoot"/>
+      </p:par>
+    </p:tnLst>
+  </p:timing>
+</p:sld>
+</file>
+
+<file path=ppt/slides/slide18.xml><?xml version="1.0" encoding="utf-8"?>
+<p:sld xmlns:a="http://schemas.openxmlformats.org/drawingml/2006/main" xmlns:r="http://schemas.openxmlformats.org/officeDocument/2006/relationships" xmlns:p="http://schemas.openxmlformats.org/presentationml/2006/main">
+  <p:cSld>
+    <p:spTree>
+      <p:nvGrpSpPr>
+        <p:cNvPr id="1" name=""/>
+        <p:cNvGrpSpPr/>
+        <p:nvPr/>
+      </p:nvGrpSpPr>
+      <p:grpSpPr>
+        <a:xfrm>
+          <a:off x="0" y="0"/>
+          <a:ext cx="0" cy="0"/>
+          <a:chOff x="0" y="0"/>
+          <a:chExt cx="0" cy="0"/>
+        </a:xfrm>
+      </p:grpSpPr>
+      <p:sp>
+        <p:nvSpPr>
+          <p:cNvPr id="2" name="Заголовок 1"/>
+          <p:cNvSpPr>
+            <a:spLocks noGrp="1"/>
+          </p:cNvSpPr>
+          <p:nvPr>
+            <p:ph type="title"/>
+          </p:nvPr>
+        </p:nvSpPr>
         <p:spPr/>
         <p:txBody>
           <a:bodyPr/>
           <a:lstStyle/>
           <a:p>
             <a:r>
-              <a:rPr lang="ru-RU" dirty="0" smtClean="0"/>
+              <a:rPr lang="ru-RU" b="1" dirty="0" smtClean="0"/>
+              <a:t>Главная  страница</a:t>
+            </a:r>
+            <a:endParaRPr lang="ru-RU" b="1" dirty="0"/>
+          </a:p>
+        </p:txBody>
+      </p:sp>
+      <p:pic>
+        <p:nvPicPr>
+          <p:cNvPr id="1026" name="Picture 2" descr="C:\Users\Виктор\Downloads\Главная.png"/>
+          <p:cNvPicPr>
+            <a:picLocks noChangeAspect="1" noChangeArrowheads="1"/>
+          </p:cNvPicPr>
+          <p:nvPr/>
+        </p:nvPicPr>
+        <p:blipFill>
+          <a:blip r:embed="rId2">
+            <a:extLst>
+              <a:ext uri="{28A0092B-C50C-407E-A947-70E740481C1C}">
+                <a14:useLocalDpi xmlns:a14="http://schemas.microsoft.com/office/drawing/2010/main" val="0"/>
+              </a:ext>
+            </a:extLst>
+          </a:blip>
+          <a:srcRect/>
+          <a:stretch>
+            <a:fillRect/>
+          </a:stretch>
+        </p:blipFill>
+        <p:spPr bwMode="auto">
+          <a:xfrm>
+            <a:off x="1123950" y="1468974"/>
+            <a:ext cx="10229850" cy="5089658"/>
+          </a:xfrm>
+          <a:prstGeom prst="rect">
+            <a:avLst/>
+          </a:prstGeom>
+          <a:noFill/>
+          <a:extLst>
+            <a:ext uri="{909E8E84-426E-40DD-AFC4-6F175D3DCCD1}">
+              <a14:hiddenFill xmlns:a14="http://schemas.microsoft.com/office/drawing/2010/main">
+                <a:solidFill>
+                  <a:srgbClr val="FFFFFF"/>
+                </a:solidFill>
+              </a14:hiddenFill>
+            </a:ext>
+          </a:extLst>
+        </p:spPr>
+      </p:pic>
+    </p:spTree>
+    <p:extLst>
+      <p:ext uri="{BB962C8B-B14F-4D97-AF65-F5344CB8AC3E}">
+        <p14:creationId xmlns:p14="http://schemas.microsoft.com/office/powerpoint/2010/main" val="3964536277"/>
+      </p:ext>
+    </p:extLst>
+  </p:cSld>
+  <p:clrMapOvr>
+    <a:masterClrMapping/>
+  </p:clrMapOvr>
+  <p:timing>
+    <p:tnLst>
+      <p:par>
+        <p:cTn id="1" dur="indefinite" restart="never" nodeType="tmRoot"/>
+      </p:par>
+    </p:tnLst>
+  </p:timing>
+</p:sld>
+</file>
+
+<file path=ppt/slides/slide19.xml><?xml version="1.0" encoding="utf-8"?>
+<p:sld xmlns:a="http://schemas.openxmlformats.org/drawingml/2006/main" xmlns:r="http://schemas.openxmlformats.org/officeDocument/2006/relationships" xmlns:p="http://schemas.openxmlformats.org/presentationml/2006/main">
+  <p:cSld>
+    <p:spTree>
+      <p:nvGrpSpPr>
+        <p:cNvPr id="1" name=""/>
+        <p:cNvGrpSpPr/>
+        <p:nvPr/>
+      </p:nvGrpSpPr>
+      <p:grpSpPr>
+        <a:xfrm>
+          <a:off x="0" y="0"/>
+          <a:ext cx="0" cy="0"/>
+          <a:chOff x="0" y="0"/>
+          <a:chExt cx="0" cy="0"/>
+        </a:xfrm>
+      </p:grpSpPr>
+      <p:sp>
+        <p:nvSpPr>
+          <p:cNvPr id="2" name="Заголовок 1"/>
+          <p:cNvSpPr>
+            <a:spLocks noGrp="1"/>
+          </p:cNvSpPr>
+          <p:nvPr>
+            <p:ph type="title"/>
+          </p:nvPr>
+        </p:nvSpPr>
+        <p:spPr/>
+        <p:txBody>
+          <a:bodyPr/>
+          <a:lstStyle/>
+          <a:p>
+            <a:r>
+              <a:rPr lang="ru-RU" b="1" dirty="0" smtClean="0"/>
+              <a:t>Расписание</a:t>
+            </a:r>
+            <a:endParaRPr lang="ru-RU" b="1" dirty="0"/>
+          </a:p>
+        </p:txBody>
+      </p:sp>
+      <p:pic>
+        <p:nvPicPr>
+          <p:cNvPr id="2050" name="Picture 2" descr="C:\Users\Виктор\Downloads\Расписание.png"/>
+          <p:cNvPicPr>
+            <a:picLocks noChangeAspect="1" noChangeArrowheads="1"/>
+          </p:cNvPicPr>
+          <p:nvPr/>
+        </p:nvPicPr>
+        <p:blipFill>
+          <a:blip r:embed="rId2">
+            <a:extLst>
+              <a:ext uri="{28A0092B-C50C-407E-A947-70E740481C1C}">
+                <a14:useLocalDpi xmlns:a14="http://schemas.microsoft.com/office/drawing/2010/main" val="0"/>
+              </a:ext>
+            </a:extLst>
+          </a:blip>
+          <a:srcRect/>
+          <a:stretch>
+            <a:fillRect/>
+          </a:stretch>
+        </p:blipFill>
+        <p:spPr bwMode="auto">
+          <a:xfrm>
+            <a:off x="1306450" y="1584810"/>
+            <a:ext cx="9579100" cy="4772234"/>
+          </a:xfrm>
+          <a:prstGeom prst="rect">
+            <a:avLst/>
+          </a:prstGeom>
+          <a:noFill/>
+          <a:extLst>
+            <a:ext uri="{909E8E84-426E-40DD-AFC4-6F175D3DCCD1}">
+              <a14:hiddenFill xmlns:a14="http://schemas.microsoft.com/office/drawing/2010/main">
+                <a:solidFill>
+                  <a:srgbClr val="FFFFFF"/>
+                </a:solidFill>
+              </a14:hiddenFill>
+            </a:ext>
+          </a:extLst>
+        </p:spPr>
+      </p:pic>
+    </p:spTree>
+    <p:extLst>
+      <p:ext uri="{BB962C8B-B14F-4D97-AF65-F5344CB8AC3E}">
+        <p14:creationId xmlns:p14="http://schemas.microsoft.com/office/powerpoint/2010/main" val="1523946683"/>
+      </p:ext>
+    </p:extLst>
+  </p:cSld>
+  <p:clrMapOvr>
+    <a:masterClrMapping/>
+  </p:clrMapOvr>
+  <p:timing>
+    <p:tnLst>
+      <p:par>
+        <p:cTn id="1" dur="indefinite" restart="never" nodeType="tmRoot"/>
+      </p:par>
+    </p:tnLst>
+  </p:timing>
+</p:sld>
+</file>
+
+<file path=ppt/slides/slide2.xml><?xml version="1.0" encoding="utf-8"?>
+<p:sld xmlns:a="http://schemas.openxmlformats.org/drawingml/2006/main" xmlns:r="http://schemas.openxmlformats.org/officeDocument/2006/relationships" xmlns:p="http://schemas.openxmlformats.org/presentationml/2006/main">
+  <p:cSld>
+    <p:spTree>
+      <p:nvGrpSpPr>
+        <p:cNvPr id="1" name=""/>
+        <p:cNvGrpSpPr/>
+        <p:nvPr/>
+      </p:nvGrpSpPr>
+      <p:grpSpPr>
+        <a:xfrm>
+          <a:off x="0" y="0"/>
+          <a:ext cx="0" cy="0"/>
+          <a:chOff x="0" y="0"/>
+          <a:chExt cx="0" cy="0"/>
+        </a:xfrm>
+      </p:grpSpPr>
+      <p:sp>
+        <p:nvSpPr>
+          <p:cNvPr id="2" name="Заголовок 1"/>
+          <p:cNvSpPr>
+            <a:spLocks noGrp="1"/>
+          </p:cNvSpPr>
+          <p:nvPr>
+            <p:ph type="title"/>
+          </p:nvPr>
+        </p:nvSpPr>
+        <p:spPr>
+          <a:xfrm>
+            <a:off x="639235" y="358792"/>
+            <a:ext cx="10515600" cy="1325563"/>
+          </a:xfrm>
+        </p:spPr>
+        <p:txBody>
+          <a:bodyPr>
+            <a:normAutofit/>
+          </a:bodyPr>
+          <a:lstStyle/>
+          <a:p>
+            <a:r>
+              <a:rPr lang="ru-RU" sz="6000" b="1" dirty="0" smtClean="0"/>
+              <a:t>Разработчики</a:t>
+            </a:r>
+            <a:endParaRPr lang="ru-RU" sz="6000" b="1" dirty="0"/>
+          </a:p>
+        </p:txBody>
+      </p:sp>
+      <p:sp>
+        <p:nvSpPr>
+          <p:cNvPr id="3" name="Объект 2"/>
+          <p:cNvSpPr>
+            <a:spLocks noGrp="1"/>
+          </p:cNvSpPr>
+          <p:nvPr>
+            <p:ph idx="1"/>
+          </p:nvPr>
+        </p:nvSpPr>
+        <p:spPr>
+          <a:xfrm>
+            <a:off x="1964266" y="1719747"/>
+            <a:ext cx="9389533" cy="4351338"/>
+          </a:xfrm>
+        </p:spPr>
+        <p:txBody>
+          <a:bodyPr anchor="ctr">
+            <a:normAutofit/>
+          </a:bodyPr>
+          <a:lstStyle/>
+          <a:p>
+            <a:pPr>
+              <a:lnSpc>
+                <a:spcPct val="150000"/>
+              </a:lnSpc>
+            </a:pPr>
+            <a:r>
+              <a:rPr lang="ru-RU" sz="4400" dirty="0" smtClean="0"/>
+              <a:t>Ламоченко Денис</a:t>
+            </a:r>
+            <a:endParaRPr lang="ru-RU" sz="4400" dirty="0"/>
+          </a:p>
+          <a:p>
+            <a:pPr>
+              <a:lnSpc>
+                <a:spcPct val="150000"/>
+              </a:lnSpc>
+            </a:pPr>
+            <a:r>
+              <a:rPr lang="ru-RU" sz="4400" dirty="0" smtClean="0"/>
+              <a:t>Зорин Захар</a:t>
+            </a:r>
+            <a:endParaRPr lang="ru-RU" sz="4400" dirty="0"/>
+          </a:p>
+          <a:p>
+            <a:pPr>
+              <a:lnSpc>
+                <a:spcPct val="150000"/>
+              </a:lnSpc>
+            </a:pPr>
+            <a:r>
+              <a:rPr lang="ru-RU" sz="4400" dirty="0" smtClean="0"/>
+              <a:t>Фомичев Виктор</a:t>
+            </a:r>
+            <a:endParaRPr lang="ru-RU" sz="4400" dirty="0"/>
+          </a:p>
+        </p:txBody>
+      </p:sp>
+      <p:pic>
+        <p:nvPicPr>
+          <p:cNvPr id="4" name="Рисунок 3"/>
+          <p:cNvPicPr>
+            <a:picLocks noChangeAspect="1"/>
+          </p:cNvPicPr>
+          <p:nvPr/>
+        </p:nvPicPr>
+        <p:blipFill>
+          <a:blip r:embed="rId2">
+            <a:duotone>
+              <a:schemeClr val="accent5">
+                <a:shade val="45000"/>
+                <a:satMod val="135000"/>
+              </a:schemeClr>
+              <a:prstClr val="white"/>
+            </a:duotone>
+            <a:extLst>
+              <a:ext uri="{28A0092B-C50C-407E-A947-70E740481C1C}">
+                <a14:useLocalDpi xmlns:a14="http://schemas.microsoft.com/office/drawing/2010/main" val="0"/>
+              </a:ext>
+            </a:extLst>
+          </a:blip>
+          <a:stretch>
+            <a:fillRect/>
+          </a:stretch>
+        </p:blipFill>
+        <p:spPr>
+          <a:xfrm>
+            <a:off x="7727846" y="1719747"/>
+            <a:ext cx="4019649" cy="4019649"/>
+          </a:xfrm>
+          <a:prstGeom prst="rect">
+            <a:avLst/>
+          </a:prstGeom>
+        </p:spPr>
+      </p:pic>
+      <p:pic>
+        <p:nvPicPr>
+          <p:cNvPr id="11" name="Рисунок 10"/>
+          <p:cNvPicPr>
+            <a:picLocks noChangeAspect="1"/>
+          </p:cNvPicPr>
+          <p:nvPr/>
+        </p:nvPicPr>
+        <p:blipFill rotWithShape="1">
+          <a:blip r:embed="rId3" cstate="print">
+            <a:duotone>
+              <a:schemeClr val="accent5">
+                <a:shade val="45000"/>
+                <a:satMod val="135000"/>
+              </a:schemeClr>
+              <a:prstClr val="white"/>
+            </a:duotone>
+            <a:extLst>
+              <a:ext uri="{28A0092B-C50C-407E-A947-70E740481C1C}">
+                <a14:useLocalDpi xmlns:a14="http://schemas.microsoft.com/office/drawing/2010/main" val="0"/>
+              </a:ext>
+            </a:extLst>
+          </a:blip>
+          <a:srcRect t="57640" r="54161"/>
+          <a:stretch/>
+        </p:blipFill>
+        <p:spPr>
+          <a:xfrm>
+            <a:off x="1012073" y="2463801"/>
+            <a:ext cx="714637" cy="660400"/>
+          </a:xfrm>
+          <a:prstGeom prst="rect">
+            <a:avLst/>
+          </a:prstGeom>
+        </p:spPr>
+      </p:pic>
+      <p:pic>
+        <p:nvPicPr>
+          <p:cNvPr id="12" name="Рисунок 11"/>
+          <p:cNvPicPr>
+            <a:picLocks noChangeAspect="1"/>
+          </p:cNvPicPr>
+          <p:nvPr/>
+        </p:nvPicPr>
+        <p:blipFill rotWithShape="1">
+          <a:blip r:embed="rId3" cstate="print">
+            <a:duotone>
+              <a:schemeClr val="accent5">
+                <a:shade val="45000"/>
+                <a:satMod val="135000"/>
+              </a:schemeClr>
+              <a:prstClr val="white"/>
+            </a:duotone>
+            <a:extLst>
+              <a:ext uri="{28A0092B-C50C-407E-A947-70E740481C1C}">
+                <a14:useLocalDpi xmlns:a14="http://schemas.microsoft.com/office/drawing/2010/main" val="0"/>
+              </a:ext>
+            </a:extLst>
+          </a:blip>
+          <a:srcRect t="57640" r="54161"/>
+          <a:stretch/>
+        </p:blipFill>
+        <p:spPr>
+          <a:xfrm>
+            <a:off x="1012072" y="3604584"/>
+            <a:ext cx="714637" cy="660400"/>
+          </a:xfrm>
+          <a:prstGeom prst="rect">
+            <a:avLst/>
+          </a:prstGeom>
+        </p:spPr>
+      </p:pic>
+      <p:pic>
+        <p:nvPicPr>
+          <p:cNvPr id="13" name="Рисунок 12"/>
+          <p:cNvPicPr>
+            <a:picLocks noChangeAspect="1"/>
+          </p:cNvPicPr>
+          <p:nvPr/>
+        </p:nvPicPr>
+        <p:blipFill rotWithShape="1">
+          <a:blip r:embed="rId3" cstate="print">
+            <a:duotone>
+              <a:schemeClr val="accent5">
+                <a:shade val="45000"/>
+                <a:satMod val="135000"/>
+              </a:schemeClr>
+              <a:prstClr val="white"/>
+            </a:duotone>
+            <a:extLst>
+              <a:ext uri="{28A0092B-C50C-407E-A947-70E740481C1C}">
+                <a14:useLocalDpi xmlns:a14="http://schemas.microsoft.com/office/drawing/2010/main" val="0"/>
+              </a:ext>
+            </a:extLst>
+          </a:blip>
+          <a:srcRect t="57640" r="54161"/>
+          <a:stretch/>
+        </p:blipFill>
+        <p:spPr>
+          <a:xfrm>
+            <a:off x="1016213" y="4686301"/>
+            <a:ext cx="714637" cy="660400"/>
+          </a:xfrm>
+          <a:prstGeom prst="rect">
+            <a:avLst/>
+          </a:prstGeom>
+        </p:spPr>
+      </p:pic>
+    </p:spTree>
+    <p:extLst>
+      <p:ext uri="{BB962C8B-B14F-4D97-AF65-F5344CB8AC3E}">
+        <p14:creationId xmlns:p14="http://schemas.microsoft.com/office/powerpoint/2010/main" val="2124156905"/>
+      </p:ext>
+    </p:extLst>
+  </p:cSld>
+  <p:clrMapOvr>
+    <a:masterClrMapping/>
+  </p:clrMapOvr>
+  <p:timing>
+    <p:tnLst>
+      <p:par>
+        <p:cTn id="1" dur="indefinite" restart="never" nodeType="tmRoot"/>
+      </p:par>
+    </p:tnLst>
+  </p:timing>
+</p:sld>
+</file>
+
+<file path=ppt/slides/slide20.xml><?xml version="1.0" encoding="utf-8"?>
+<p:sld xmlns:a="http://schemas.openxmlformats.org/drawingml/2006/main" xmlns:r="http://schemas.openxmlformats.org/officeDocument/2006/relationships" xmlns:p="http://schemas.openxmlformats.org/presentationml/2006/main">
+  <p:cSld>
+    <p:spTree>
+      <p:nvGrpSpPr>
+        <p:cNvPr id="1" name=""/>
+        <p:cNvGrpSpPr/>
+        <p:nvPr/>
+      </p:nvGrpSpPr>
+      <p:grpSpPr>
+        <a:xfrm>
+          <a:off x="0" y="0"/>
+          <a:ext cx="0" cy="0"/>
+          <a:chOff x="0" y="0"/>
+          <a:chExt cx="0" cy="0"/>
+        </a:xfrm>
+      </p:grpSpPr>
+      <p:sp>
+        <p:nvSpPr>
+          <p:cNvPr id="2" name="Заголовок 1"/>
+          <p:cNvSpPr>
+            <a:spLocks noGrp="1"/>
+          </p:cNvSpPr>
+          <p:nvPr>
+            <p:ph type="title"/>
+          </p:nvPr>
+        </p:nvSpPr>
+        <p:spPr/>
+        <p:txBody>
+          <a:bodyPr/>
+          <a:lstStyle/>
+          <a:p>
+            <a:r>
+              <a:rPr lang="ru-RU" b="1" dirty="0"/>
+              <a:t>Страница с оценками</a:t>
+            </a:r>
+          </a:p>
+        </p:txBody>
+      </p:sp>
+      <p:pic>
+        <p:nvPicPr>
+          <p:cNvPr id="3074" name="Picture 2" descr="C:\Users\Виктор\Downloads\Оценки.png"/>
+          <p:cNvPicPr>
+            <a:picLocks noChangeAspect="1" noChangeArrowheads="1"/>
+          </p:cNvPicPr>
+          <p:nvPr/>
+        </p:nvPicPr>
+        <p:blipFill>
+          <a:blip r:embed="rId2">
+            <a:extLst>
+              <a:ext uri="{28A0092B-C50C-407E-A947-70E740481C1C}">
+                <a14:useLocalDpi xmlns:a14="http://schemas.microsoft.com/office/drawing/2010/main" val="0"/>
+              </a:ext>
+            </a:extLst>
+          </a:blip>
+          <a:srcRect/>
+          <a:stretch>
+            <a:fillRect/>
+          </a:stretch>
+        </p:blipFill>
+        <p:spPr bwMode="auto">
+          <a:xfrm>
+            <a:off x="1311151" y="1584810"/>
+            <a:ext cx="9569698" cy="4788284"/>
+          </a:xfrm>
+          <a:prstGeom prst="rect">
+            <a:avLst/>
+          </a:prstGeom>
+          <a:noFill/>
+          <a:extLst>
+            <a:ext uri="{909E8E84-426E-40DD-AFC4-6F175D3DCCD1}">
+              <a14:hiddenFill xmlns:a14="http://schemas.microsoft.com/office/drawing/2010/main">
+                <a:solidFill>
+                  <a:srgbClr val="FFFFFF"/>
+                </a:solidFill>
+              </a14:hiddenFill>
+            </a:ext>
+          </a:extLst>
+        </p:spPr>
+      </p:pic>
+    </p:spTree>
+    <p:extLst>
+      <p:ext uri="{BB962C8B-B14F-4D97-AF65-F5344CB8AC3E}">
+        <p14:creationId xmlns:p14="http://schemas.microsoft.com/office/powerpoint/2010/main" val="276543200"/>
+      </p:ext>
+    </p:extLst>
+  </p:cSld>
+  <p:clrMapOvr>
+    <a:masterClrMapping/>
+  </p:clrMapOvr>
+  <p:timing>
+    <p:tnLst>
+      <p:par>
+        <p:cTn id="1" dur="indefinite" restart="never" nodeType="tmRoot"/>
+      </p:par>
+    </p:tnLst>
+  </p:timing>
+</p:sld>
+</file>
+
+<file path=ppt/slides/slide21.xml><?xml version="1.0" encoding="utf-8"?>
+<p:sld xmlns:a="http://schemas.openxmlformats.org/drawingml/2006/main" xmlns:r="http://schemas.openxmlformats.org/officeDocument/2006/relationships" xmlns:p="http://schemas.openxmlformats.org/presentationml/2006/main">
+  <p:cSld>
+    <p:spTree>
+      <p:nvGrpSpPr>
+        <p:cNvPr id="1" name=""/>
+        <p:cNvGrpSpPr/>
+        <p:nvPr/>
+      </p:nvGrpSpPr>
+      <p:grpSpPr>
+        <a:xfrm>
+          <a:off x="0" y="0"/>
+          <a:ext cx="0" cy="0"/>
+          <a:chOff x="0" y="0"/>
+          <a:chExt cx="0" cy="0"/>
+        </a:xfrm>
+      </p:grpSpPr>
+      <p:sp>
+        <p:nvSpPr>
+          <p:cNvPr id="2" name="Заголовок 1"/>
+          <p:cNvSpPr>
+            <a:spLocks noGrp="1"/>
+          </p:cNvSpPr>
+          <p:nvPr>
+            <p:ph type="title"/>
+          </p:nvPr>
+        </p:nvSpPr>
+        <p:spPr/>
+        <p:txBody>
+          <a:bodyPr/>
+          <a:lstStyle/>
+          <a:p>
+            <a:r>
+              <a:rPr lang="ru-RU" b="1" dirty="0" smtClean="0"/>
               <a:t>Чаты</a:t>
             </a:r>
-            <a:endParaRPr lang="ru-RU" dirty="0"/>
+            <a:endParaRPr lang="ru-RU" b="1" dirty="0"/>
           </a:p>
         </p:txBody>
       </p:sp>
@@ -3121,8 +5148,8 @@
         </p:blipFill>
         <p:spPr bwMode="auto">
           <a:xfrm>
-            <a:off x="2023199" y="1591201"/>
-            <a:ext cx="8788837" cy="4284322"/>
+            <a:off x="1183049" y="1584810"/>
+            <a:ext cx="9825901" cy="4789863"/>
           </a:xfrm>
           <a:prstGeom prst="rect">
             <a:avLst/>
@@ -3159,7 +5186,7 @@
 </p:sld>
 </file>
 
-<file path=ppt/slides/slide11.xml><?xml version="1.0" encoding="utf-8"?>
+<file path=ppt/slides/slide22.xml><?xml version="1.0" encoding="utf-8"?>
 <p:sld xmlns:a="http://schemas.openxmlformats.org/drawingml/2006/main" xmlns:r="http://schemas.openxmlformats.org/officeDocument/2006/relationships" xmlns:p="http://schemas.openxmlformats.org/presentationml/2006/main">
   <p:cSld>
     <p:spTree>
@@ -3199,8 +5226,8 @@
         </p:blipFill>
         <p:spPr bwMode="auto">
           <a:xfrm>
-            <a:off x="2023199" y="1591200"/>
-            <a:ext cx="8513405" cy="4284323"/>
+            <a:off x="1216462" y="1584810"/>
+            <a:ext cx="9759076" cy="4911200"/>
           </a:xfrm>
           <a:prstGeom prst="rect">
             <a:avLst/>
@@ -3233,10 +5260,10 @@
           <a:lstStyle/>
           <a:p>
             <a:r>
-              <a:rPr lang="ru-RU" dirty="0" smtClean="0"/>
+              <a:rPr lang="ru-RU" b="1" dirty="0" smtClean="0"/>
               <a:t>Профиль</a:t>
             </a:r>
-            <a:endParaRPr lang="ru-RU" dirty="0"/>
+            <a:endParaRPr lang="ru-RU" b="1" dirty="0"/>
           </a:p>
         </p:txBody>
       </p:sp>
@@ -3260,7 +5287,7 @@
 </p:sld>
 </file>
 
-<file path=ppt/slides/slide2.xml><?xml version="1.0" encoding="utf-8"?>
+<file path=ppt/slides/slide23.xml><?xml version="1.0" encoding="utf-8"?>
 <p:sld xmlns:a="http://schemas.openxmlformats.org/drawingml/2006/main" xmlns:r="http://schemas.openxmlformats.org/officeDocument/2006/relationships" xmlns:p="http://schemas.openxmlformats.org/presentationml/2006/main">
   <p:cSld>
     <p:spTree>
@@ -3287,85 +5314,313 @@
             <p:ph type="title"/>
           </p:nvPr>
         </p:nvSpPr>
-        <p:spPr/>
+        <p:spPr>
+          <a:xfrm>
+            <a:off x="2387600" y="259247"/>
+            <a:ext cx="8966200" cy="1325563"/>
+          </a:xfrm>
+        </p:spPr>
         <p:txBody>
           <a:bodyPr/>
           <a:lstStyle/>
           <a:p>
             <a:r>
-              <a:rPr lang="ru-RU" dirty="0" smtClean="0"/>
-              <a:t>Разработчики</a:t>
-            </a:r>
-            <a:endParaRPr lang="ru-RU" dirty="0"/>
-          </a:p>
-        </p:txBody>
-      </p:sp>
-      <p:sp>
-        <p:nvSpPr>
-          <p:cNvPr id="3" name="Объект 2"/>
-          <p:cNvSpPr>
-            <a:spLocks noGrp="1"/>
-          </p:cNvSpPr>
+              <a:rPr lang="ru-RU" b="1" dirty="0" smtClean="0"/>
+              <a:t>Ссылка на наш проект</a:t>
+            </a:r>
+            <a:endParaRPr lang="ru-RU" b="1" dirty="0"/>
+          </a:p>
+        </p:txBody>
+      </p:sp>
+      <p:pic>
+        <p:nvPicPr>
+          <p:cNvPr id="6" name="Объект 5"/>
+          <p:cNvPicPr>
+            <a:picLocks noGrp="1" noChangeAspect="1"/>
+          </p:cNvPicPr>
           <p:nvPr>
             <p:ph idx="1"/>
           </p:nvPr>
-        </p:nvSpPr>
-        <p:spPr/>
-        <p:txBody>
-          <a:bodyPr/>
-          <a:lstStyle/>
-          <a:p>
-            <a:pPr marL="457200" indent="-457200">
-              <a:buFont typeface="Arial" pitchFamily="34" charset="0"/>
-              <a:buChar char="•"/>
-            </a:pPr>
-            <a:endParaRPr lang="ru-RU" dirty="0" smtClean="0"/>
-          </a:p>
-          <a:p>
-            <a:pPr marL="457200" indent="-457200">
-              <a:buFont typeface="Arial" pitchFamily="34" charset="0"/>
-              <a:buChar char="•"/>
-            </a:pPr>
-            <a:endParaRPr lang="ru-RU" dirty="0"/>
-          </a:p>
-          <a:p>
-            <a:pPr marL="457200" indent="-457200">
-              <a:buFont typeface="Arial" pitchFamily="34" charset="0"/>
-              <a:buChar char="•"/>
-            </a:pPr>
-            <a:r>
-              <a:rPr lang="ru-RU" dirty="0" smtClean="0"/>
-              <a:t>Денис</a:t>
-            </a:r>
-            <a:endParaRPr lang="ru-RU" dirty="0"/>
-          </a:p>
-          <a:p>
-            <a:pPr marL="457200" indent="-457200">
-              <a:buFont typeface="Arial" pitchFamily="34" charset="0"/>
-              <a:buChar char="•"/>
-            </a:pPr>
-            <a:r>
-              <a:rPr lang="ru-RU" dirty="0"/>
-              <a:t>Захар</a:t>
-            </a:r>
-          </a:p>
-          <a:p>
-            <a:pPr marL="457200" indent="-457200">
-              <a:buFont typeface="Arial" pitchFamily="34" charset="0"/>
-              <a:buChar char="•"/>
-            </a:pPr>
-            <a:r>
-              <a:rPr lang="ru-RU" dirty="0" smtClean="0"/>
-              <a:t>Виктор</a:t>
-            </a:r>
-            <a:endParaRPr lang="ru-RU" dirty="0"/>
-          </a:p>
-        </p:txBody>
-      </p:sp>
+        </p:nvPicPr>
+        <p:blipFill>
+          <a:blip r:embed="rId2" cstate="print">
+            <a:duotone>
+              <a:schemeClr val="accent5">
+                <a:shade val="45000"/>
+                <a:satMod val="135000"/>
+              </a:schemeClr>
+              <a:prstClr val="white"/>
+            </a:duotone>
+            <a:extLst>
+              <a:ext uri="{28A0092B-C50C-407E-A947-70E740481C1C}">
+                <a14:useLocalDpi xmlns:a14="http://schemas.microsoft.com/office/drawing/2010/main" val="0"/>
+              </a:ext>
+            </a:extLst>
+          </a:blip>
+          <a:stretch>
+            <a:fillRect/>
+          </a:stretch>
+        </p:blipFill>
+        <p:spPr>
+          <a:xfrm>
+            <a:off x="703318" y="259247"/>
+            <a:ext cx="1366691" cy="1328253"/>
+          </a:xfrm>
+        </p:spPr>
+      </p:pic>
+      <p:pic>
+        <p:nvPicPr>
+          <p:cNvPr id="7" name="Рисунок 6"/>
+          <p:cNvPicPr>
+            <a:picLocks noChangeAspect="1"/>
+          </p:cNvPicPr>
+          <p:nvPr/>
+        </p:nvPicPr>
+        <p:blipFill>
+          <a:blip r:embed="rId3" cstate="print">
+            <a:duotone>
+              <a:schemeClr val="accent5">
+                <a:shade val="45000"/>
+                <a:satMod val="135000"/>
+              </a:schemeClr>
+              <a:prstClr val="white"/>
+            </a:duotone>
+            <a:extLst>
+              <a:ext uri="{28A0092B-C50C-407E-A947-70E740481C1C}">
+                <a14:useLocalDpi xmlns:a14="http://schemas.microsoft.com/office/drawing/2010/main" val="0"/>
+              </a:ext>
+            </a:extLst>
+          </a:blip>
+          <a:stretch>
+            <a:fillRect/>
+          </a:stretch>
+        </p:blipFill>
+        <p:spPr>
+          <a:xfrm>
+            <a:off x="9841298" y="4707467"/>
+            <a:ext cx="2350702" cy="2150533"/>
+          </a:xfrm>
+          <a:prstGeom prst="rect">
+            <a:avLst/>
+          </a:prstGeom>
+        </p:spPr>
+      </p:pic>
+      <p:sp>
+        <p:nvSpPr>
+          <p:cNvPr id="9" name="Прямоугольник 8"/>
+          <p:cNvSpPr/>
+          <p:nvPr/>
+        </p:nvSpPr>
+        <p:spPr>
+          <a:xfrm>
+            <a:off x="703318" y="2176642"/>
+            <a:ext cx="10426700" cy="646331"/>
+          </a:xfrm>
+          <a:prstGeom prst="rect">
+            <a:avLst/>
+          </a:prstGeom>
+        </p:spPr>
+        <p:txBody>
+          <a:bodyPr wrap="square">
+            <a:spAutoFit/>
+          </a:bodyPr>
+          <a:lstStyle/>
+          <a:p>
+            <a:pPr algn="ctr"/>
+            <a:r>
+              <a:rPr lang="en-US" sz="3600" dirty="0">
+                <a:solidFill>
+                  <a:schemeClr val="accent5">
+                    <a:lumMod val="75000"/>
+                  </a:schemeClr>
+                </a:solidFill>
+                <a:latin typeface="Comic Sans MS" panose="030F0702030302020204" pitchFamily="66" charset="0"/>
+              </a:rPr>
+              <a:t>https://github.com/RobikRobi/School-diary.git</a:t>
+            </a:r>
+            <a:endParaRPr lang="ru-RU" sz="3600" dirty="0">
+              <a:solidFill>
+                <a:schemeClr val="accent5">
+                  <a:lumMod val="75000"/>
+                </a:schemeClr>
+              </a:solidFill>
+              <a:latin typeface="Comic Sans MS" panose="030F0702030302020204" pitchFamily="66" charset="0"/>
+            </a:endParaRPr>
+          </a:p>
+        </p:txBody>
+      </p:sp>
+      <p:pic>
+        <p:nvPicPr>
+          <p:cNvPr id="11" name="Рисунок 10"/>
+          <p:cNvPicPr>
+            <a:picLocks noChangeAspect="1"/>
+          </p:cNvPicPr>
+          <p:nvPr/>
+        </p:nvPicPr>
+        <p:blipFill>
+          <a:blip r:embed="rId4" cstate="print">
+            <a:extLst>
+              <a:ext uri="{28A0092B-C50C-407E-A947-70E740481C1C}">
+                <a14:useLocalDpi xmlns:a14="http://schemas.microsoft.com/office/drawing/2010/main" val="0"/>
+              </a:ext>
+            </a:extLst>
+          </a:blip>
+          <a:stretch>
+            <a:fillRect/>
+          </a:stretch>
+        </p:blipFill>
+        <p:spPr>
+          <a:xfrm>
+            <a:off x="4292600" y="3187700"/>
+            <a:ext cx="3340100" cy="3340100"/>
+          </a:xfrm>
+          <a:prstGeom prst="rect">
+            <a:avLst/>
+          </a:prstGeom>
+        </p:spPr>
+      </p:pic>
     </p:spTree>
     <p:extLst>
       <p:ext uri="{BB962C8B-B14F-4D97-AF65-F5344CB8AC3E}">
-        <p14:creationId xmlns:p14="http://schemas.microsoft.com/office/powerpoint/2010/main" val="2124156905"/>
+        <p14:creationId xmlns:p14="http://schemas.microsoft.com/office/powerpoint/2010/main" val="1517261440"/>
+      </p:ext>
+    </p:extLst>
+  </p:cSld>
+  <p:clrMapOvr>
+    <a:masterClrMapping/>
+  </p:clrMapOvr>
+  <p:timing>
+    <p:tnLst>
+      <p:par>
+        <p:cTn id="1" dur="indefinite" restart="never" nodeType="tmRoot"/>
+      </p:par>
+    </p:tnLst>
+  </p:timing>
+</p:sld>
+</file>
+
+<file path=ppt/slides/slide24.xml><?xml version="1.0" encoding="utf-8"?>
+<p:sld xmlns:a="http://schemas.openxmlformats.org/drawingml/2006/main" xmlns:r="http://schemas.openxmlformats.org/officeDocument/2006/relationships" xmlns:p="http://schemas.openxmlformats.org/presentationml/2006/main">
+  <p:cSld>
+    <p:spTree>
+      <p:nvGrpSpPr>
+        <p:cNvPr id="1" name=""/>
+        <p:cNvGrpSpPr/>
+        <p:nvPr/>
+      </p:nvGrpSpPr>
+      <p:grpSpPr>
+        <a:xfrm>
+          <a:off x="0" y="0"/>
+          <a:ext cx="0" cy="0"/>
+          <a:chOff x="0" y="0"/>
+          <a:chExt cx="0" cy="0"/>
+        </a:xfrm>
+      </p:grpSpPr>
+      <p:sp>
+        <p:nvSpPr>
+          <p:cNvPr id="2" name="Заголовок 1"/>
+          <p:cNvSpPr>
+            <a:spLocks noGrp="1"/>
+          </p:cNvSpPr>
+          <p:nvPr>
+            <p:ph type="ctrTitle"/>
+          </p:nvPr>
+        </p:nvSpPr>
+        <p:spPr>
+          <a:xfrm>
+            <a:off x="5545282" y="1548940"/>
+            <a:ext cx="4292600" cy="1286949"/>
+          </a:xfrm>
+        </p:spPr>
+        <p:txBody>
+          <a:bodyPr/>
+          <a:lstStyle/>
+          <a:p>
+            <a:r>
+              <a:rPr lang="en-US" b="1" dirty="0"/>
+              <a:t>"EdSpace"</a:t>
+            </a:r>
+            <a:endParaRPr lang="ru-RU" dirty="0"/>
+          </a:p>
+        </p:txBody>
+      </p:sp>
+      <p:pic>
+        <p:nvPicPr>
+          <p:cNvPr id="4" name="Рисунок 3"/>
+          <p:cNvPicPr>
+            <a:picLocks noChangeAspect="1"/>
+          </p:cNvPicPr>
+          <p:nvPr/>
+        </p:nvPicPr>
+        <p:blipFill rotWithShape="1">
+          <a:blip r:embed="rId2" cstate="print">
+            <a:duotone>
+              <a:schemeClr val="accent5">
+                <a:shade val="45000"/>
+                <a:satMod val="135000"/>
+              </a:schemeClr>
+              <a:prstClr val="white"/>
+            </a:duotone>
+            <a:extLst>
+              <a:ext uri="{28A0092B-C50C-407E-A947-70E740481C1C}">
+                <a14:useLocalDpi xmlns:a14="http://schemas.microsoft.com/office/drawing/2010/main" val="0"/>
+              </a:ext>
+            </a:extLst>
+          </a:blip>
+          <a:srcRect l="4062" t="12779" r="54167" b="11852"/>
+          <a:stretch/>
+        </p:blipFill>
+        <p:spPr>
+          <a:xfrm>
+            <a:off x="2354118" y="1530120"/>
+            <a:ext cx="3191164" cy="3238911"/>
+          </a:xfrm>
+          <a:prstGeom prst="rect">
+            <a:avLst/>
+          </a:prstGeom>
+        </p:spPr>
+      </p:pic>
+      <p:pic>
+        <p:nvPicPr>
+          <p:cNvPr id="5" name="Рисунок 4"/>
+          <p:cNvPicPr>
+            <a:picLocks noChangeAspect="1"/>
+          </p:cNvPicPr>
+          <p:nvPr/>
+        </p:nvPicPr>
+        <p:blipFill>
+          <a:blip r:embed="rId3" cstate="print">
+            <a:duotone>
+              <a:schemeClr val="accent5">
+                <a:shade val="45000"/>
+                <a:satMod val="135000"/>
+              </a:schemeClr>
+              <a:prstClr val="white"/>
+            </a:duotone>
+            <a:extLst>
+              <a:ext uri="{28A0092B-C50C-407E-A947-70E740481C1C}">
+                <a14:useLocalDpi xmlns:a14="http://schemas.microsoft.com/office/drawing/2010/main" val="0"/>
+              </a:ext>
+            </a:extLst>
+          </a:blip>
+          <a:stretch>
+            <a:fillRect/>
+          </a:stretch>
+        </p:blipFill>
+        <p:spPr>
+          <a:xfrm>
+            <a:off x="6596317" y="2854709"/>
+            <a:ext cx="1932731" cy="1932731"/>
+          </a:xfrm>
+          <a:prstGeom prst="rect">
+            <a:avLst/>
+          </a:prstGeom>
+        </p:spPr>
+      </p:pic>
+    </p:spTree>
+    <p:extLst>
+      <p:ext uri="{BB962C8B-B14F-4D97-AF65-F5344CB8AC3E}">
+        <p14:creationId xmlns:p14="http://schemas.microsoft.com/office/powerpoint/2010/main" val="1919459453"/>
       </p:ext>
     </p:extLst>
   </p:cSld>
@@ -3411,8 +5666,8 @@
         </p:nvSpPr>
         <p:spPr>
           <a:xfrm>
-            <a:off x="607194" y="2584214"/>
-            <a:ext cx="6563627" cy="1325563"/>
+            <a:off x="2089150" y="388937"/>
+            <a:ext cx="8648700" cy="1325563"/>
           </a:xfrm>
         </p:spPr>
         <p:txBody>
@@ -3421,31 +5676,153 @@
           <a:p>
             <a:r>
               <a:rPr lang="ru-RU" dirty="0" smtClean="0"/>
-              <a:t>Структура проекта</a:t>
+              <a:t>Для чего этот проект создан ?</a:t>
             </a:r>
             <a:endParaRPr lang="ru-RU" dirty="0"/>
+          </a:p>
+        </p:txBody>
+      </p:sp>
+      <p:sp>
+        <p:nvSpPr>
+          <p:cNvPr id="3" name="Объект 2"/>
+          <p:cNvSpPr>
+            <a:spLocks noGrp="1"/>
+          </p:cNvSpPr>
+          <p:nvPr>
+            <p:ph idx="1"/>
+          </p:nvPr>
+        </p:nvSpPr>
+        <p:spPr>
+          <a:xfrm>
+            <a:off x="838200" y="1714500"/>
+            <a:ext cx="10515600" cy="3886200"/>
+          </a:xfrm>
+        </p:spPr>
+        <p:txBody>
+          <a:bodyPr anchor="ctr">
+            <a:normAutofit/>
+          </a:bodyPr>
+          <a:lstStyle/>
+          <a:p>
+            <a:pPr>
+              <a:lnSpc>
+                <a:spcPct val="110000"/>
+              </a:lnSpc>
+            </a:pPr>
+            <a:r>
+              <a:rPr lang="en-US" sz="3200" b="1" dirty="0" smtClean="0"/>
+              <a:t>EdSpace</a:t>
+            </a:r>
+            <a:r>
+              <a:rPr lang="ru-RU" sz="3200" dirty="0" smtClean="0"/>
+              <a:t> — </a:t>
+            </a:r>
+            <a:r>
+              <a:rPr lang="ru-RU" sz="3200" dirty="0"/>
+              <a:t>это </a:t>
+            </a:r>
+            <a:r>
+              <a:rPr lang="ru-RU" sz="3200" dirty="0" smtClean="0"/>
+              <a:t>сервис </a:t>
+            </a:r>
+            <a:r>
+              <a:rPr lang="ru-RU" sz="3200" dirty="0"/>
+              <a:t>для </a:t>
+            </a:r>
+            <a:r>
+              <a:rPr lang="ru-RU" sz="3200" dirty="0" smtClean="0"/>
+              <a:t>электронного школьного дневника. </a:t>
+            </a:r>
+            <a:r>
+              <a:rPr lang="ru-RU" sz="3200" dirty="0"/>
+              <a:t>Он управляет пользователями, предметами, оценками и расписанием, предоставляет API для </a:t>
+            </a:r>
+            <a:r>
+              <a:rPr lang="ru-RU" sz="3200" dirty="0" err="1"/>
+              <a:t>frontend</a:t>
+            </a:r>
+            <a:r>
+              <a:rPr lang="ru-RU" sz="3200" dirty="0"/>
+              <a:t>-интерфейсов и административной панели, а также поддерживает </a:t>
+            </a:r>
+            <a:r>
+              <a:rPr lang="ru-RU" sz="3200" dirty="0" err="1"/>
+              <a:t>WebSocket</a:t>
+            </a:r>
+            <a:r>
+              <a:rPr lang="ru-RU" sz="3200" dirty="0"/>
+              <a:t> для обновлений в реальном времени</a:t>
+            </a:r>
           </a:p>
         </p:txBody>
       </p:sp>
       <p:pic>
         <p:nvPicPr>
-          <p:cNvPr id="6" name="Объект 5"/>
+          <p:cNvPr id="4" name="Рисунок 3"/>
           <p:cNvPicPr>
-            <a:picLocks noGrp="1" noChangeAspect="1"/>
+            <a:picLocks noChangeAspect="1"/>
           </p:cNvPicPr>
-          <p:nvPr>
-            <p:ph idx="1"/>
-          </p:nvPr>
+          <p:nvPr/>
         </p:nvPicPr>
         <p:blipFill rotWithShape="1">
-          <a:blip r:embed="rId2"/>
-          <a:srcRect l="32912" t="21529" r="53525" b="35336"/>
+          <a:blip r:embed="rId2" cstate="print">
+            <a:duotone>
+              <a:schemeClr val="accent5">
+                <a:shade val="45000"/>
+                <a:satMod val="135000"/>
+              </a:schemeClr>
+              <a:prstClr val="white"/>
+            </a:duotone>
+            <a:extLst>
+              <a:ext uri="{28A0092B-C50C-407E-A947-70E740481C1C}">
+                <a14:useLocalDpi xmlns:a14="http://schemas.microsoft.com/office/drawing/2010/main" val="0"/>
+              </a:ext>
+            </a:extLst>
+          </a:blip>
+          <a:srcRect l="4062" t="12779" r="54167" b="11852"/>
           <a:stretch/>
         </p:blipFill>
         <p:spPr>
           <a:xfrm>
-            <a:off x="7709834" y="331903"/>
-            <a:ext cx="3445845" cy="6164582"/>
+            <a:off x="165100" y="143389"/>
+            <a:ext cx="1547950" cy="1571111"/>
+          </a:xfrm>
+          <a:prstGeom prst="rect">
+            <a:avLst/>
+          </a:prstGeom>
+        </p:spPr>
+      </p:pic>
+      <p:pic>
+        <p:nvPicPr>
+          <p:cNvPr id="5" name="Рисунок 4"/>
+          <p:cNvPicPr>
+            <a:picLocks noChangeAspect="1"/>
+          </p:cNvPicPr>
+          <p:nvPr/>
+        </p:nvPicPr>
+        <p:blipFill>
+          <a:blip r:embed="rId3" cstate="print">
+            <a:duotone>
+              <a:schemeClr val="accent5">
+                <a:shade val="45000"/>
+                <a:satMod val="135000"/>
+              </a:schemeClr>
+              <a:prstClr val="white"/>
+            </a:duotone>
+            <a:extLst>
+              <a:ext uri="{28A0092B-C50C-407E-A947-70E740481C1C}">
+                <a14:useLocalDpi xmlns:a14="http://schemas.microsoft.com/office/drawing/2010/main" val="0"/>
+              </a:ext>
+            </a:extLst>
+          </a:blip>
+          <a:stretch>
+            <a:fillRect/>
+          </a:stretch>
+        </p:blipFill>
+        <p:spPr>
+          <a:xfrm>
+            <a:off x="10428974" y="5245100"/>
+            <a:ext cx="1763026" cy="1612899"/>
           </a:xfrm>
           <a:prstGeom prst="rect">
             <a:avLst/>
@@ -3455,7 +5832,7 @@
     </p:spTree>
     <p:extLst>
       <p:ext uri="{BB962C8B-B14F-4D97-AF65-F5344CB8AC3E}">
-        <p14:creationId xmlns:p14="http://schemas.microsoft.com/office/powerpoint/2010/main" val="194256759"/>
+        <p14:creationId xmlns:p14="http://schemas.microsoft.com/office/powerpoint/2010/main" val="908777715"/>
       </p:ext>
     </p:extLst>
   </p:cSld>
@@ -3499,124 +5876,68 @@
             <p:ph type="title"/>
           </p:nvPr>
         </p:nvSpPr>
-        <p:spPr/>
-        <p:txBody>
-          <a:bodyPr/>
-          <a:lstStyle/>
-          <a:p>
-            <a:r>
-              <a:rPr lang="ru-RU" dirty="0" smtClean="0"/>
-              <a:t>Описание</a:t>
-            </a:r>
-            <a:endParaRPr lang="ru-RU" dirty="0"/>
-          </a:p>
-        </p:txBody>
-      </p:sp>
-      <p:sp>
-        <p:nvSpPr>
-          <p:cNvPr id="3" name="Объект 2"/>
-          <p:cNvSpPr>
-            <a:spLocks noGrp="1"/>
-          </p:cNvSpPr>
-          <p:nvPr>
-            <p:ph idx="1"/>
-          </p:nvPr>
-        </p:nvSpPr>
-        <p:spPr/>
+        <p:spPr>
+          <a:xfrm>
+            <a:off x="1577374" y="691006"/>
+            <a:ext cx="8966200" cy="3461894"/>
+          </a:xfrm>
+        </p:spPr>
         <p:txBody>
           <a:bodyPr>
-            <a:normAutofit fontScale="92500"/>
+            <a:normAutofit/>
           </a:bodyPr>
           <a:lstStyle/>
           <a:p>
-            <a:r>
-              <a:rPr lang="en-US" b="1" dirty="0" err="1"/>
-              <a:t>A</a:t>
-            </a:r>
-            <a:r>
-              <a:rPr lang="en-US" b="1" dirty="0" err="1" smtClean="0"/>
-              <a:t>dmin_panel</a:t>
-            </a:r>
-            <a:r>
-              <a:rPr lang="en-US" dirty="0" smtClean="0"/>
-              <a:t> </a:t>
-            </a:r>
-            <a:r>
-              <a:rPr lang="ru-RU" dirty="0" smtClean="0"/>
-              <a:t>админ панель для изменения роли пользователей</a:t>
-            </a:r>
-            <a:endParaRPr lang="en-US" dirty="0" smtClean="0"/>
-          </a:p>
-          <a:p>
-            <a:r>
-              <a:rPr lang="en-US" b="1" dirty="0" err="1" smtClean="0"/>
-              <a:t>Auth</a:t>
-            </a:r>
-            <a:r>
-              <a:rPr lang="ru-RU" dirty="0" smtClean="0"/>
-              <a:t> модуль для регистрации, авторизации и работы с пользователями</a:t>
-            </a:r>
-            <a:endParaRPr lang="en-US" dirty="0" smtClean="0"/>
-          </a:p>
-          <a:p>
-            <a:r>
-              <a:rPr lang="en-US" b="1" dirty="0"/>
-              <a:t>C</a:t>
-            </a:r>
-            <a:r>
-              <a:rPr lang="en-US" b="1" dirty="0" smtClean="0"/>
-              <a:t>hat</a:t>
-            </a:r>
-            <a:r>
-              <a:rPr lang="ru-RU" dirty="0" smtClean="0"/>
-              <a:t> модуль для работы с чатами пользователей (создание чатов, просмотр чатов)</a:t>
-            </a:r>
-            <a:endParaRPr lang="en-US" dirty="0" smtClean="0"/>
-          </a:p>
-          <a:p>
-            <a:r>
-              <a:rPr lang="en-US" b="1" dirty="0" smtClean="0"/>
-              <a:t>Group</a:t>
-            </a:r>
-            <a:r>
-              <a:rPr lang="ru-RU" b="1" dirty="0" smtClean="0"/>
-              <a:t> </a:t>
-            </a:r>
-            <a:r>
-              <a:rPr lang="ru-RU" dirty="0" smtClean="0"/>
-              <a:t> модуль для работы с группами (создание, изменение, удаление группы, добавление в группу, удаление из группы)</a:t>
-            </a:r>
-            <a:endParaRPr lang="en-US" dirty="0" smtClean="0"/>
-          </a:p>
-          <a:p>
-            <a:r>
-              <a:rPr lang="en-US" b="1" dirty="0" smtClean="0"/>
-              <a:t>Lesson</a:t>
-            </a:r>
-            <a:r>
-              <a:rPr lang="ru-RU" b="1" dirty="0" smtClean="0"/>
-              <a:t> </a:t>
-            </a:r>
-            <a:r>
-              <a:rPr lang="ru-RU" dirty="0" smtClean="0"/>
-              <a:t>модуль для работы с уроками (создание, изменение, удаление, получение уроков по </a:t>
-            </a:r>
-            <a:r>
-              <a:rPr lang="en-US" dirty="0" smtClean="0"/>
-              <a:t>id </a:t>
-            </a:r>
-            <a:r>
-              <a:rPr lang="ru-RU" dirty="0" smtClean="0"/>
-              <a:t>группы)</a:t>
-            </a:r>
-            <a:endParaRPr lang="en-US" b="1" dirty="0" smtClean="0"/>
-          </a:p>
-        </p:txBody>
-      </p:sp>
+            <a:pPr algn="ctr"/>
+            <a:r>
+              <a:rPr lang="ru-RU" sz="8000" dirty="0" smtClean="0"/>
+              <a:t>Преимущества</a:t>
+            </a:r>
+            <a:endParaRPr lang="ru-RU" sz="8000" dirty="0"/>
+          </a:p>
+        </p:txBody>
+      </p:sp>
+      <p:pic>
+        <p:nvPicPr>
+          <p:cNvPr id="5" name="Рисунок 4"/>
+          <p:cNvPicPr>
+            <a:picLocks noChangeAspect="1"/>
+          </p:cNvPicPr>
+          <p:nvPr/>
+        </p:nvPicPr>
+        <p:blipFill>
+          <a:blip r:embed="rId2" cstate="print">
+            <a:duotone>
+              <a:schemeClr val="accent5">
+                <a:shade val="45000"/>
+                <a:satMod val="135000"/>
+              </a:schemeClr>
+              <a:prstClr val="white"/>
+            </a:duotone>
+            <a:extLst>
+              <a:ext uri="{28A0092B-C50C-407E-A947-70E740481C1C}">
+                <a14:useLocalDpi xmlns:a14="http://schemas.microsoft.com/office/drawing/2010/main" val="0"/>
+              </a:ext>
+            </a:extLst>
+          </a:blip>
+          <a:stretch>
+            <a:fillRect/>
+          </a:stretch>
+        </p:blipFill>
+        <p:spPr>
+          <a:xfrm>
+            <a:off x="5080152" y="3949700"/>
+            <a:ext cx="1960644" cy="1960644"/>
+          </a:xfrm>
+          <a:prstGeom prst="rect">
+            <a:avLst/>
+          </a:prstGeom>
+        </p:spPr>
+      </p:pic>
     </p:spTree>
     <p:extLst>
       <p:ext uri="{BB962C8B-B14F-4D97-AF65-F5344CB8AC3E}">
-        <p14:creationId xmlns:p14="http://schemas.microsoft.com/office/powerpoint/2010/main" val="373331074"/>
+        <p14:creationId xmlns:p14="http://schemas.microsoft.com/office/powerpoint/2010/main" val="1522359206"/>
       </p:ext>
     </p:extLst>
   </p:cSld>
@@ -3652,29 +5973,6 @@
       </p:grpSpPr>
       <p:sp>
         <p:nvSpPr>
-          <p:cNvPr id="2" name="Заголовок 1"/>
-          <p:cNvSpPr>
-            <a:spLocks noGrp="1"/>
-          </p:cNvSpPr>
-          <p:nvPr>
-            <p:ph type="title"/>
-          </p:nvPr>
-        </p:nvSpPr>
-        <p:spPr/>
-        <p:txBody>
-          <a:bodyPr/>
-          <a:lstStyle/>
-          <a:p>
-            <a:r>
-              <a:rPr lang="ru-RU" dirty="0" smtClean="0"/>
-              <a:t>Описание</a:t>
-            </a:r>
-            <a:endParaRPr lang="ru-RU" dirty="0"/>
-          </a:p>
-        </p:txBody>
-      </p:sp>
-      <p:sp>
-        <p:nvSpPr>
           <p:cNvPr id="3" name="Объект 2"/>
           <p:cNvSpPr>
             <a:spLocks noGrp="1"/>
@@ -3683,102 +5981,126 @@
             <p:ph idx="1"/>
           </p:nvPr>
         </p:nvSpPr>
-        <p:spPr/>
+        <p:spPr>
+          <a:xfrm>
+            <a:off x="1897973" y="1719747"/>
+            <a:ext cx="9966401" cy="3601553"/>
+          </a:xfrm>
+        </p:spPr>
         <p:txBody>
           <a:bodyPr>
-            <a:normAutofit/>
+            <a:noAutofit/>
           </a:bodyPr>
           <a:lstStyle/>
           <a:p>
             <a:r>
-              <a:rPr lang="en-US" b="1" dirty="0" smtClean="0"/>
-              <a:t>Marks</a:t>
-            </a:r>
-            <a:r>
-              <a:rPr lang="ru-RU" b="1" dirty="0" smtClean="0"/>
+              <a:rPr lang="ru-RU" sz="3600" b="1" dirty="0" smtClean="0"/>
               <a:t> </a:t>
             </a:r>
             <a:r>
-              <a:rPr lang="ru-RU" dirty="0" smtClean="0"/>
-              <a:t>модуль для работы с оценками (выставление оценок организовано через </a:t>
-            </a:r>
-            <a:r>
-              <a:rPr lang="ru-RU" dirty="0" err="1" smtClean="0"/>
-              <a:t>вебсокеты</a:t>
-            </a:r>
-            <a:r>
-              <a:rPr lang="ru-RU" dirty="0" smtClean="0"/>
-              <a:t> для быстрой </a:t>
-            </a:r>
-            <a:r>
-              <a:rPr lang="ru-RU" dirty="0" err="1" smtClean="0"/>
-              <a:t>предачи</a:t>
-            </a:r>
-            <a:r>
-              <a:rPr lang="ru-RU" dirty="0" smtClean="0"/>
-              <a:t> данных, получение оценок по </a:t>
-            </a:r>
-            <a:r>
-              <a:rPr lang="en-US" dirty="0" smtClean="0"/>
-              <a:t>id </a:t>
-            </a:r>
-            <a:r>
-              <a:rPr lang="ru-RU" dirty="0" smtClean="0"/>
-              <a:t>группы, пользователя, предмета)</a:t>
-            </a:r>
-            <a:endParaRPr lang="en-US" b="1" dirty="0" smtClean="0"/>
-          </a:p>
-          <a:p>
-            <a:r>
-              <a:rPr lang="en-US" b="1" dirty="0" smtClean="0"/>
-              <a:t>Subject </a:t>
-            </a:r>
-            <a:r>
-              <a:rPr lang="ru-RU" dirty="0" smtClean="0"/>
-              <a:t>модуль для работы с предметами (создание, изменение, удаление, получение всех предметов, получение предмета по </a:t>
-            </a:r>
-            <a:r>
-              <a:rPr lang="en-US" dirty="0" smtClean="0"/>
-              <a:t>id</a:t>
-            </a:r>
-            <a:r>
-              <a:rPr lang="ru-RU" dirty="0" smtClean="0"/>
-              <a:t>, получение групп у которых ведётся предмет)</a:t>
-            </a:r>
-            <a:endParaRPr lang="en-US" b="1" dirty="0" smtClean="0"/>
-          </a:p>
-          <a:p>
-            <a:r>
-              <a:rPr lang="en-US" b="1" dirty="0" err="1" smtClean="0"/>
-              <a:t>Enum</a:t>
-            </a:r>
-            <a:r>
-              <a:rPr lang="en-US" b="1" dirty="0" smtClean="0"/>
-              <a:t> </a:t>
-            </a:r>
-            <a:r>
-              <a:rPr lang="ru-RU" dirty="0" smtClean="0"/>
-              <a:t>роли пользователей</a:t>
-            </a:r>
-            <a:endParaRPr lang="en-US" b="1" dirty="0" smtClean="0"/>
-          </a:p>
-          <a:p>
-            <a:r>
-              <a:rPr lang="en-US" b="1" dirty="0" smtClean="0"/>
-              <a:t>Models </a:t>
-            </a:r>
-            <a:r>
-              <a:rPr lang="ru-RU" dirty="0" smtClean="0"/>
-              <a:t>модели базы данных</a:t>
-            </a:r>
-            <a:endParaRPr lang="ru-RU" b="1" dirty="0"/>
-          </a:p>
-        </p:txBody>
-      </p:sp>
+              <a:rPr lang="ru-RU" sz="3600" b="1" dirty="0"/>
+              <a:t>1. Чистая архитектура и модульность</a:t>
+            </a:r>
+          </a:p>
+          <a:p>
+            <a:pPr marL="901700" indent="-457200">
+              <a:buFont typeface="Arial" panose="020B0604020202020204" pitchFamily="34" charset="0"/>
+              <a:buChar char="•"/>
+            </a:pPr>
+            <a:r>
+              <a:rPr lang="ru-RU" sz="3600" dirty="0" smtClean="0"/>
+              <a:t>Четкое </a:t>
+            </a:r>
+            <a:r>
+              <a:rPr lang="ru-RU" sz="3600" dirty="0"/>
+              <a:t>разделение слоев: </a:t>
+            </a:r>
+            <a:r>
+              <a:rPr lang="en-US" sz="3600" dirty="0"/>
+              <a:t>routers, services, models, schemas, </a:t>
+            </a:r>
+            <a:r>
+              <a:rPr lang="en-US" sz="3600" dirty="0" err="1"/>
+              <a:t>auth</a:t>
+            </a:r>
+            <a:r>
+              <a:rPr lang="en-US" sz="3600" dirty="0"/>
+              <a:t>, </a:t>
+            </a:r>
+            <a:r>
+              <a:rPr lang="en-US" sz="3600" dirty="0" err="1"/>
+              <a:t>utils</a:t>
+            </a:r>
+            <a:r>
+              <a:rPr lang="en-US" sz="3600" dirty="0"/>
+              <a:t>.</a:t>
+            </a:r>
+          </a:p>
+          <a:p>
+            <a:pPr marL="901700" indent="-457200">
+              <a:buFont typeface="Arial" panose="020B0604020202020204" pitchFamily="34" charset="0"/>
+              <a:buChar char="•"/>
+            </a:pPr>
+            <a:r>
+              <a:rPr lang="ru-RU" sz="3600" dirty="0" smtClean="0"/>
+              <a:t>Используется </a:t>
+            </a:r>
+            <a:r>
+              <a:rPr lang="ru-RU" sz="3600" dirty="0"/>
+              <a:t>структура, соответствующая </a:t>
+            </a:r>
+            <a:r>
+              <a:rPr lang="en-US" sz="3600" dirty="0"/>
+              <a:t>Domain-Driven Design (DDD), </a:t>
+            </a:r>
+            <a:r>
+              <a:rPr lang="ru-RU" sz="3600" dirty="0"/>
+              <a:t>что облегчает масштабирование и поддержку.</a:t>
+            </a:r>
+          </a:p>
+        </p:txBody>
+      </p:sp>
+      <p:pic>
+        <p:nvPicPr>
+          <p:cNvPr id="6" name="Рисунок 5"/>
+          <p:cNvPicPr>
+            <a:picLocks noChangeAspect="1"/>
+          </p:cNvPicPr>
+          <p:nvPr/>
+        </p:nvPicPr>
+        <p:blipFill>
+          <a:blip r:embed="rId2" cstate="print">
+            <a:duotone>
+              <a:schemeClr val="accent5">
+                <a:shade val="45000"/>
+                <a:satMod val="135000"/>
+              </a:schemeClr>
+              <a:prstClr val="white"/>
+            </a:duotone>
+            <a:extLst>
+              <a:ext uri="{28A0092B-C50C-407E-A947-70E740481C1C}">
+                <a14:useLocalDpi xmlns:a14="http://schemas.microsoft.com/office/drawing/2010/main" val="0"/>
+              </a:ext>
+            </a:extLst>
+          </a:blip>
+          <a:stretch>
+            <a:fillRect/>
+          </a:stretch>
+        </p:blipFill>
+        <p:spPr>
+          <a:xfrm rot="8369391">
+            <a:off x="389911" y="3034700"/>
+            <a:ext cx="1446525" cy="723263"/>
+          </a:xfrm>
+          <a:prstGeom prst="rect">
+            <a:avLst/>
+          </a:prstGeom>
+        </p:spPr>
+      </p:pic>
     </p:spTree>
     <p:extLst>
       <p:ext uri="{BB962C8B-B14F-4D97-AF65-F5344CB8AC3E}">
-        <p14:creationId xmlns:p14="http://schemas.microsoft.com/office/powerpoint/2010/main" val="724623765"/>
+        <p14:creationId xmlns:p14="http://schemas.microsoft.com/office/powerpoint/2010/main" val="176602236"/>
       </p:ext>
     </p:extLst>
   </p:cSld>
@@ -3814,36 +6136,124 @@
       </p:grpSpPr>
       <p:sp>
         <p:nvSpPr>
-          <p:cNvPr id="2" name="Заголовок 1"/>
-          <p:cNvSpPr>
-            <a:spLocks noGrp="1"/>
-          </p:cNvSpPr>
-          <p:nvPr>
-            <p:ph type="title"/>
-          </p:nvPr>
-        </p:nvSpPr>
-        <p:spPr>
-          <a:xfrm>
-            <a:off x="715992" y="1"/>
-            <a:ext cx="11476007" cy="6858000"/>
-          </a:xfrm>
-        </p:spPr>
-        <p:txBody>
-          <a:bodyPr/>
-          <a:lstStyle/>
-          <a:p>
-            <a:r>
-              <a:rPr lang="ru-RU" dirty="0" smtClean="0"/>
-              <a:t>Дизайн сайта</a:t>
-            </a:r>
-            <a:endParaRPr lang="ru-RU" dirty="0"/>
-          </a:p>
-        </p:txBody>
-      </p:sp>
+          <p:cNvPr id="3" name="Объект 2"/>
+          <p:cNvSpPr>
+            <a:spLocks noGrp="1"/>
+          </p:cNvSpPr>
+          <p:nvPr>
+            <p:ph idx="1"/>
+          </p:nvPr>
+        </p:nvSpPr>
+        <p:spPr>
+          <a:xfrm>
+            <a:off x="1816100" y="1752600"/>
+            <a:ext cx="10007600" cy="3479800"/>
+          </a:xfrm>
+        </p:spPr>
+        <p:txBody>
+          <a:bodyPr>
+            <a:noAutofit/>
+          </a:bodyPr>
+          <a:lstStyle/>
+          <a:p>
+            <a:r>
+              <a:rPr lang="ru-RU" sz="3600" b="1" dirty="0"/>
+              <a:t>2. Использование </a:t>
+            </a:r>
+            <a:r>
+              <a:rPr lang="ru-RU" sz="3600" b="1" dirty="0" err="1"/>
+              <a:t>FastAPI</a:t>
+            </a:r>
+            <a:r>
+              <a:rPr lang="ru-RU" sz="3600" b="1" dirty="0"/>
+              <a:t> + </a:t>
+            </a:r>
+            <a:r>
+              <a:rPr lang="ru-RU" sz="3600" b="1" dirty="0" err="1"/>
+              <a:t>PostgreSQL</a:t>
+            </a:r>
+            <a:endParaRPr lang="ru-RU" sz="3600" b="1" dirty="0"/>
+          </a:p>
+          <a:p>
+            <a:pPr marL="990600" indent="-635000">
+              <a:buFont typeface="Arial" panose="020B0604020202020204" pitchFamily="34" charset="0"/>
+              <a:buChar char="•"/>
+            </a:pPr>
+            <a:r>
+              <a:rPr lang="ru-RU" sz="3600" dirty="0" err="1" smtClean="0"/>
+              <a:t>FastAPI</a:t>
+            </a:r>
+            <a:r>
+              <a:rPr lang="ru-RU" sz="3600" dirty="0" smtClean="0"/>
+              <a:t> </a:t>
+            </a:r>
+            <a:r>
+              <a:rPr lang="ru-RU" sz="3600" dirty="0"/>
+              <a:t>обеспечивает высокую производительность и асинхронную обработку запросов.</a:t>
+            </a:r>
+          </a:p>
+          <a:p>
+            <a:pPr marL="990600" indent="-635000">
+              <a:buFont typeface="Arial" panose="020B0604020202020204" pitchFamily="34" charset="0"/>
+              <a:buChar char="•"/>
+            </a:pPr>
+            <a:r>
+              <a:rPr lang="ru-RU" sz="3600" dirty="0" err="1" smtClean="0"/>
+              <a:t>PostgreSQL</a:t>
+            </a:r>
+            <a:r>
+              <a:rPr lang="ru-RU" sz="3600" dirty="0" smtClean="0"/>
+              <a:t> </a:t>
+            </a:r>
+            <a:r>
+              <a:rPr lang="ru-RU" sz="3600" dirty="0"/>
+              <a:t>как СУБД — надежное и масштабируемое решение для хранения данных.</a:t>
+            </a:r>
+            <a:endParaRPr lang="ru-RU" sz="3200" dirty="0"/>
+          </a:p>
+        </p:txBody>
+      </p:sp>
+      <p:pic>
+        <p:nvPicPr>
+          <p:cNvPr id="7" name="Рисунок 6"/>
+          <p:cNvPicPr>
+            <a:picLocks noChangeAspect="1"/>
+          </p:cNvPicPr>
+          <p:nvPr/>
+        </p:nvPicPr>
+        <p:blipFill>
+          <a:blip r:embed="rId2" cstate="print">
+            <a:duotone>
+              <a:schemeClr val="accent5">
+                <a:shade val="45000"/>
+                <a:satMod val="135000"/>
+              </a:schemeClr>
+              <a:prstClr val="white"/>
+            </a:duotone>
+            <a:extLst>
+              <a:ext uri="{28A0092B-C50C-407E-A947-70E740481C1C}">
+                <a14:useLocalDpi xmlns:a14="http://schemas.microsoft.com/office/drawing/2010/main" val="0"/>
+              </a:ext>
+            </a:extLst>
+          </a:blip>
+          <a:stretch>
+            <a:fillRect/>
+          </a:stretch>
+        </p:blipFill>
+        <p:spPr>
+          <a:xfrm>
+            <a:off x="389062" y="2895600"/>
+            <a:ext cx="1604838" cy="1604838"/>
+          </a:xfrm>
+          <a:prstGeom prst="rect">
+            <a:avLst/>
+          </a:prstGeom>
+        </p:spPr>
+      </p:pic>
     </p:spTree>
     <p:extLst>
       <p:ext uri="{BB962C8B-B14F-4D97-AF65-F5344CB8AC3E}">
-        <p14:creationId xmlns:p14="http://schemas.microsoft.com/office/powerpoint/2010/main" val="1278833038"/>
+        <p14:creationId xmlns:p14="http://schemas.microsoft.com/office/powerpoint/2010/main" val="1379056912"/>
       </p:ext>
     </p:extLst>
   </p:cSld>
@@ -3879,72 +6289,110 @@
       </p:grpSpPr>
       <p:sp>
         <p:nvSpPr>
-          <p:cNvPr id="2" name="Заголовок 1"/>
-          <p:cNvSpPr>
-            <a:spLocks noGrp="1"/>
-          </p:cNvSpPr>
-          <p:nvPr>
-            <p:ph type="title"/>
-          </p:nvPr>
-        </p:nvSpPr>
-        <p:spPr/>
-        <p:txBody>
-          <a:bodyPr/>
-          <a:lstStyle/>
-          <a:p>
-            <a:r>
-              <a:rPr lang="ru-RU" dirty="0" smtClean="0"/>
-              <a:t>Главная  страница</a:t>
-            </a:r>
-            <a:endParaRPr lang="ru-RU" dirty="0"/>
+          <p:cNvPr id="3" name="Объект 2"/>
+          <p:cNvSpPr>
+            <a:spLocks noGrp="1"/>
+          </p:cNvSpPr>
+          <p:nvPr>
+            <p:ph idx="1"/>
+          </p:nvPr>
+        </p:nvSpPr>
+        <p:spPr>
+          <a:xfrm>
+            <a:off x="1701800" y="1518662"/>
+            <a:ext cx="10124474" cy="3601553"/>
+          </a:xfrm>
+        </p:spPr>
+        <p:txBody>
+          <a:bodyPr>
+            <a:noAutofit/>
+          </a:bodyPr>
+          <a:lstStyle/>
+          <a:p>
+            <a:r>
+              <a:rPr lang="ru-RU" sz="3600" b="1" dirty="0"/>
+              <a:t>3. Реализована система аутентификации и авторизации</a:t>
+            </a:r>
+          </a:p>
+          <a:p>
+            <a:pPr marL="990600" indent="-546100">
+              <a:buFont typeface="Arial" panose="020B0604020202020204" pitchFamily="34" charset="0"/>
+              <a:buChar char="•"/>
+            </a:pPr>
+            <a:r>
+              <a:rPr lang="ru-RU" sz="3600" dirty="0"/>
+              <a:t>JWT-</a:t>
+            </a:r>
+            <a:r>
+              <a:rPr lang="ru-RU" sz="3600" dirty="0" err="1"/>
+              <a:t>токены</a:t>
+            </a:r>
+            <a:r>
+              <a:rPr lang="ru-RU" sz="3600" dirty="0"/>
+              <a:t>, шифрование паролей и разграничение ролей (ученик, учитель, администратор).</a:t>
+            </a:r>
+          </a:p>
+          <a:p>
+            <a:pPr marL="990600" indent="-546100">
+              <a:buFont typeface="Arial" panose="020B0604020202020204" pitchFamily="34" charset="0"/>
+              <a:buChar char="•"/>
+            </a:pPr>
+            <a:r>
+              <a:rPr lang="ru-RU" sz="3600" dirty="0"/>
+              <a:t>Безопасная работа с приватными ключами (в том числе проверка и генерация </a:t>
+            </a:r>
+            <a:r>
+              <a:rPr lang="ru-RU" sz="3600" dirty="0" err="1"/>
+              <a:t>токенов</a:t>
+            </a:r>
+            <a:r>
+              <a:rPr lang="ru-RU" sz="3600" dirty="0"/>
+              <a:t>).</a:t>
+            </a:r>
           </a:p>
         </p:txBody>
       </p:sp>
       <p:pic>
         <p:nvPicPr>
-          <p:cNvPr id="1026" name="Picture 2" descr="C:\Users\Виктор\Downloads\Главная.png"/>
+          <p:cNvPr id="6" name="Рисунок 5"/>
           <p:cNvPicPr>
-            <a:picLocks noChangeAspect="1" noChangeArrowheads="1"/>
+            <a:picLocks noChangeAspect="1"/>
           </p:cNvPicPr>
           <p:nvPr/>
         </p:nvPicPr>
         <p:blipFill>
-          <a:blip r:embed="rId2">
+          <a:blip r:embed="rId2" cstate="print">
+            <a:duotone>
+              <a:schemeClr val="accent5">
+                <a:shade val="45000"/>
+                <a:satMod val="135000"/>
+              </a:schemeClr>
+              <a:prstClr val="white"/>
+            </a:duotone>
             <a:extLst>
               <a:ext uri="{28A0092B-C50C-407E-A947-70E740481C1C}">
                 <a14:useLocalDpi xmlns:a14="http://schemas.microsoft.com/office/drawing/2010/main" val="0"/>
               </a:ext>
             </a:extLst>
           </a:blip>
-          <a:srcRect/>
           <a:stretch>
             <a:fillRect/>
           </a:stretch>
         </p:blipFill>
-        <p:spPr bwMode="auto">
-          <a:xfrm>
-            <a:off x="2022335" y="1589377"/>
-            <a:ext cx="8817603" cy="4387022"/>
+        <p:spPr>
+          <a:xfrm>
+            <a:off x="296333" y="2965956"/>
+            <a:ext cx="1545167" cy="1545167"/>
           </a:xfrm>
           <a:prstGeom prst="rect">
             <a:avLst/>
           </a:prstGeom>
-          <a:noFill/>
-          <a:extLst>
-            <a:ext uri="{909E8E84-426E-40DD-AFC4-6F175D3DCCD1}">
-              <a14:hiddenFill xmlns:a14="http://schemas.microsoft.com/office/drawing/2010/main">
-                <a:solidFill>
-                  <a:srgbClr val="FFFFFF"/>
-                </a:solidFill>
-              </a14:hiddenFill>
-            </a:ext>
-          </a:extLst>
         </p:spPr>
       </p:pic>
     </p:spTree>
     <p:extLst>
       <p:ext uri="{BB962C8B-B14F-4D97-AF65-F5344CB8AC3E}">
-        <p14:creationId xmlns:p14="http://schemas.microsoft.com/office/powerpoint/2010/main" val="3964536277"/>
+        <p14:creationId xmlns:p14="http://schemas.microsoft.com/office/powerpoint/2010/main" val="1770088919"/>
       </p:ext>
     </p:extLst>
   </p:cSld>
@@ -3980,72 +6428,120 @@
       </p:grpSpPr>
       <p:sp>
         <p:nvSpPr>
-          <p:cNvPr id="2" name="Заголовок 1"/>
-          <p:cNvSpPr>
-            <a:spLocks noGrp="1"/>
-          </p:cNvSpPr>
-          <p:nvPr>
-            <p:ph type="title"/>
-          </p:nvPr>
-        </p:nvSpPr>
-        <p:spPr/>
-        <p:txBody>
-          <a:bodyPr/>
-          <a:lstStyle/>
-          <a:p>
-            <a:r>
-              <a:rPr lang="ru-RU" dirty="0" smtClean="0"/>
-              <a:t>Расписание</a:t>
-            </a:r>
-            <a:endParaRPr lang="ru-RU" dirty="0"/>
+          <p:cNvPr id="3" name="Объект 2"/>
+          <p:cNvSpPr>
+            <a:spLocks noGrp="1"/>
+          </p:cNvSpPr>
+          <p:nvPr>
+            <p:ph idx="1"/>
+          </p:nvPr>
+        </p:nvSpPr>
+        <p:spPr>
+          <a:xfrm>
+            <a:off x="2374900" y="1752600"/>
+            <a:ext cx="9448800" cy="3479800"/>
+          </a:xfrm>
+        </p:spPr>
+        <p:txBody>
+          <a:bodyPr>
+            <a:noAutofit/>
+          </a:bodyPr>
+          <a:lstStyle/>
+          <a:p>
+            <a:r>
+              <a:rPr lang="ru-RU" sz="3600" b="1" dirty="0"/>
+              <a:t>4. </a:t>
+            </a:r>
+            <a:r>
+              <a:rPr lang="ru-RU" sz="3600" b="1" dirty="0" err="1"/>
+              <a:t>Docker</a:t>
+            </a:r>
+            <a:r>
+              <a:rPr lang="ru-RU" sz="3600" b="1" dirty="0"/>
+              <a:t> и </a:t>
+            </a:r>
+            <a:r>
+              <a:rPr lang="ru-RU" sz="3600" b="1" dirty="0" err="1"/>
+              <a:t>Docker</a:t>
+            </a:r>
+            <a:r>
+              <a:rPr lang="ru-RU" sz="3600" b="1" dirty="0"/>
+              <a:t> </a:t>
+            </a:r>
+            <a:r>
+              <a:rPr lang="ru-RU" sz="3600" b="1" dirty="0" err="1"/>
+              <a:t>Compose</a:t>
+            </a:r>
+            <a:endParaRPr lang="ru-RU" sz="3600" b="1" dirty="0"/>
+          </a:p>
+          <a:p>
+            <a:pPr marL="1079500" indent="-546100">
+              <a:buFont typeface="Arial" panose="020B0604020202020204" pitchFamily="34" charset="0"/>
+              <a:buChar char="•"/>
+            </a:pPr>
+            <a:r>
+              <a:rPr lang="ru-RU" sz="3600" dirty="0"/>
+              <a:t>Быстрая и удобная контейнеризация приложения.</a:t>
+            </a:r>
+          </a:p>
+          <a:p>
+            <a:pPr marL="1079500" indent="-546100">
+              <a:buFont typeface="Arial" panose="020B0604020202020204" pitchFamily="34" charset="0"/>
+              <a:buChar char="•"/>
+            </a:pPr>
+            <a:r>
+              <a:rPr lang="ru-RU" sz="3600" dirty="0"/>
+              <a:t>Возможность легко развернуть проект на любой машине без настройки окружения.</a:t>
+            </a:r>
           </a:p>
         </p:txBody>
       </p:sp>
       <p:pic>
         <p:nvPicPr>
-          <p:cNvPr id="2050" name="Picture 2" descr="C:\Users\Виктор\Downloads\Расписание.png"/>
+          <p:cNvPr id="6" name="Рисунок 5"/>
           <p:cNvPicPr>
-            <a:picLocks noChangeAspect="1" noChangeArrowheads="1"/>
+            <a:picLocks noChangeAspect="1"/>
           </p:cNvPicPr>
           <p:nvPr/>
         </p:nvPicPr>
         <p:blipFill>
-          <a:blip r:embed="rId2">
+          <a:blip r:embed="rId2" cstate="print">
             <a:extLst>
+              <a:ext uri="{BEBA8EAE-BF5A-486C-A8C5-ECC9F3942E4B}">
+                <a14:imgProps xmlns:a14="http://schemas.microsoft.com/office/drawing/2010/main">
+                  <a14:imgLayer r:embed="rId3">
+                    <a14:imgEffect>
+                      <a14:colorTemperature colorTemp="8800"/>
+                    </a14:imgEffect>
+                    <a14:imgEffect>
+                      <a14:saturation sat="300000"/>
+                    </a14:imgEffect>
+                  </a14:imgLayer>
+                </a14:imgProps>
+              </a:ext>
               <a:ext uri="{28A0092B-C50C-407E-A947-70E740481C1C}">
                 <a14:useLocalDpi xmlns:a14="http://schemas.microsoft.com/office/drawing/2010/main" val="0"/>
               </a:ext>
             </a:extLst>
           </a:blip>
-          <a:srcRect/>
           <a:stretch>
             <a:fillRect/>
           </a:stretch>
         </p:blipFill>
-        <p:spPr bwMode="auto">
-          <a:xfrm>
-            <a:off x="2023200" y="1591200"/>
-            <a:ext cx="8562499" cy="4265771"/>
+        <p:spPr>
+          <a:xfrm>
+            <a:off x="304799" y="2406650"/>
+            <a:ext cx="2171700" cy="2171700"/>
           </a:xfrm>
           <a:prstGeom prst="rect">
             <a:avLst/>
           </a:prstGeom>
-          <a:noFill/>
-          <a:extLst>
-            <a:ext uri="{909E8E84-426E-40DD-AFC4-6F175D3DCCD1}">
-              <a14:hiddenFill xmlns:a14="http://schemas.microsoft.com/office/drawing/2010/main">
-                <a:solidFill>
-                  <a:srgbClr val="FFFFFF"/>
-                </a:solidFill>
-              </a14:hiddenFill>
-            </a:ext>
-          </a:extLst>
         </p:spPr>
       </p:pic>
     </p:spTree>
     <p:extLst>
       <p:ext uri="{BB962C8B-B14F-4D97-AF65-F5344CB8AC3E}">
-        <p14:creationId xmlns:p14="http://schemas.microsoft.com/office/powerpoint/2010/main" val="1523946683"/>
+        <p14:creationId xmlns:p14="http://schemas.microsoft.com/office/powerpoint/2010/main" val="909000896"/>
       </p:ext>
     </p:extLst>
   </p:cSld>
@@ -4081,71 +6577,107 @@
       </p:grpSpPr>
       <p:sp>
         <p:nvSpPr>
-          <p:cNvPr id="2" name="Заголовок 1"/>
-          <p:cNvSpPr>
-            <a:spLocks noGrp="1"/>
-          </p:cNvSpPr>
-          <p:nvPr>
-            <p:ph type="title"/>
-          </p:nvPr>
-        </p:nvSpPr>
-        <p:spPr/>
-        <p:txBody>
-          <a:bodyPr/>
-          <a:lstStyle/>
-          <a:p>
-            <a:r>
-              <a:rPr lang="ru-RU" dirty="0"/>
-              <a:t>Страница с оценками</a:t>
+          <p:cNvPr id="3" name="Объект 2"/>
+          <p:cNvSpPr>
+            <a:spLocks noGrp="1"/>
+          </p:cNvSpPr>
+          <p:nvPr>
+            <p:ph idx="1"/>
+          </p:nvPr>
+        </p:nvSpPr>
+        <p:spPr>
+          <a:xfrm>
+            <a:off x="2413000" y="1988562"/>
+            <a:ext cx="9464074" cy="3601553"/>
+          </a:xfrm>
+        </p:spPr>
+        <p:txBody>
+          <a:bodyPr>
+            <a:noAutofit/>
+          </a:bodyPr>
+          <a:lstStyle/>
+          <a:p>
+            <a:r>
+              <a:rPr lang="ru-RU" sz="3600" b="1" dirty="0"/>
+              <a:t>5. Автоматическая документация API</a:t>
+            </a:r>
+          </a:p>
+          <a:p>
+            <a:pPr marL="1079500" indent="-546100">
+              <a:buFont typeface="Arial" panose="020B0604020202020204" pitchFamily="34" charset="0"/>
+              <a:buChar char="•"/>
+            </a:pPr>
+            <a:r>
+              <a:rPr lang="ru-RU" sz="3600" dirty="0" smtClean="0"/>
+              <a:t>Благодаря </a:t>
+            </a:r>
+            <a:r>
+              <a:rPr lang="ru-RU" sz="3600" dirty="0" err="1"/>
+              <a:t>FastAPI</a:t>
+            </a:r>
+            <a:r>
+              <a:rPr lang="ru-RU" sz="3600" dirty="0"/>
+              <a:t> доступна </a:t>
+            </a:r>
+            <a:r>
+              <a:rPr lang="ru-RU" sz="3600" dirty="0" err="1"/>
+              <a:t>OpenAPI</a:t>
+            </a:r>
+            <a:r>
+              <a:rPr lang="ru-RU" sz="3600" dirty="0"/>
+              <a:t>-документация по адресу /</a:t>
+            </a:r>
+            <a:r>
+              <a:rPr lang="ru-RU" sz="3600" dirty="0" err="1"/>
+              <a:t>docs</a:t>
+            </a:r>
+            <a:r>
+              <a:rPr lang="ru-RU" sz="3600" dirty="0"/>
+              <a:t>, что делает проект удобным для тестирования и интеграции.</a:t>
             </a:r>
           </a:p>
         </p:txBody>
       </p:sp>
       <p:pic>
         <p:nvPicPr>
-          <p:cNvPr id="3074" name="Picture 2" descr="C:\Users\Виктор\Downloads\Оценки.png"/>
+          <p:cNvPr id="5" name="Рисунок 4"/>
           <p:cNvPicPr>
-            <a:picLocks noChangeAspect="1" noChangeArrowheads="1"/>
+            <a:picLocks noChangeAspect="1"/>
           </p:cNvPicPr>
           <p:nvPr/>
         </p:nvPicPr>
-        <p:blipFill>
+        <p:blipFill rotWithShape="1">
           <a:blip r:embed="rId2">
+            <a:duotone>
+              <a:schemeClr val="accent5">
+                <a:shade val="45000"/>
+                <a:satMod val="135000"/>
+              </a:schemeClr>
+              <a:prstClr val="white"/>
+            </a:duotone>
             <a:extLst>
               <a:ext uri="{28A0092B-C50C-407E-A947-70E740481C1C}">
                 <a14:useLocalDpi xmlns:a14="http://schemas.microsoft.com/office/drawing/2010/main" val="0"/>
               </a:ext>
             </a:extLst>
           </a:blip>
-          <a:srcRect/>
-          <a:stretch>
-            <a:fillRect/>
-          </a:stretch>
+          <a:srcRect t="57640" r="54161"/>
+          <a:stretch/>
         </p:blipFill>
-        <p:spPr bwMode="auto">
-          <a:xfrm>
-            <a:off x="2023199" y="1591200"/>
-            <a:ext cx="8562499" cy="4284323"/>
+        <p:spPr>
+          <a:xfrm>
+            <a:off x="643773" y="2875903"/>
+            <a:ext cx="1235827" cy="1142035"/>
           </a:xfrm>
           <a:prstGeom prst="rect">
             <a:avLst/>
           </a:prstGeom>
-          <a:noFill/>
-          <a:extLst>
-            <a:ext uri="{909E8E84-426E-40DD-AFC4-6F175D3DCCD1}">
-              <a14:hiddenFill xmlns:a14="http://schemas.microsoft.com/office/drawing/2010/main">
-                <a:solidFill>
-                  <a:srgbClr val="FFFFFF"/>
-                </a:solidFill>
-              </a14:hiddenFill>
-            </a:ext>
-          </a:extLst>
         </p:spPr>
       </p:pic>
     </p:spTree>
     <p:extLst>
       <p:ext uri="{BB962C8B-B14F-4D97-AF65-F5344CB8AC3E}">
-        <p14:creationId xmlns:p14="http://schemas.microsoft.com/office/powerpoint/2010/main" val="276543200"/>
+        <p14:creationId xmlns:p14="http://schemas.microsoft.com/office/powerpoint/2010/main" val="285709952"/>
       </p:ext>
     </p:extLst>
   </p:cSld>
@@ -4417,7 +6949,7 @@
   <a:extraClrSchemeLst/>
   <a:extLst>
     <a:ext uri="{05A4C25C-085E-4340-85A3-A5531E510DB2}">
-      <thm15:themeFamily xmlns:thm15="http://schemas.microsoft.com/office/thememl/2012/main" xmlns="" name="Office Theme" id="{62F939B6-93AF-4DB8-9C6B-D6C7DFDC589F}" vid="{4A3C46E8-61CC-4603-A589-7422A47A8E4A}"/>
+      <thm15:themeFamily xmlns:thm15="http://schemas.microsoft.com/office/thememl/2012/main" name="Office Theme" id="{62F939B6-93AF-4DB8-9C6B-D6C7DFDC589F}" vid="{4A3C46E8-61CC-4603-A589-7422A47A8E4A}"/>
     </a:ext>
   </a:extLst>
 </a:theme>
